--- a/토이프로젝트_Python.pptx
+++ b/토이프로젝트_Python.pptx
@@ -5,42 +5,34 @@
     <p:sldMasterId id="2147483658" r:id="rId1"/>
   </p:sldMasterIdLst>
   <p:notesMasterIdLst>
-    <p:notesMasterId r:id="rId18"/>
+    <p:notesMasterId r:id="rId10"/>
   </p:notesMasterIdLst>
   <p:sldIdLst>
     <p:sldId id="256" r:id="rId2"/>
     <p:sldId id="259" r:id="rId3"/>
     <p:sldId id="315" r:id="rId4"/>
-    <p:sldId id="318" r:id="rId5"/>
-    <p:sldId id="319" r:id="rId6"/>
-    <p:sldId id="320" r:id="rId7"/>
-    <p:sldId id="321" r:id="rId8"/>
-    <p:sldId id="322" r:id="rId9"/>
-    <p:sldId id="323" r:id="rId10"/>
-    <p:sldId id="324" r:id="rId11"/>
-    <p:sldId id="325" r:id="rId12"/>
-    <p:sldId id="297" r:id="rId13"/>
-    <p:sldId id="317" r:id="rId14"/>
-    <p:sldId id="326" r:id="rId15"/>
-    <p:sldId id="327" r:id="rId16"/>
-    <p:sldId id="274" r:id="rId17"/>
+    <p:sldId id="297" r:id="rId5"/>
+    <p:sldId id="317" r:id="rId6"/>
+    <p:sldId id="326" r:id="rId7"/>
+    <p:sldId id="327" r:id="rId8"/>
+    <p:sldId id="274" r:id="rId9"/>
   </p:sldIdLst>
   <p:sldSz cx="9144000" cy="5143500" type="screen16x9"/>
   <p:notesSz cx="6858000" cy="9144000"/>
   <p:embeddedFontLst>
     <p:embeddedFont>
       <p:font typeface="Lora" pitchFamily="2" charset="0"/>
-      <p:regular r:id="rId19"/>
-      <p:bold r:id="rId20"/>
-      <p:italic r:id="rId21"/>
-      <p:boldItalic r:id="rId22"/>
+      <p:regular r:id="rId11"/>
+      <p:bold r:id="rId12"/>
+      <p:italic r:id="rId13"/>
+      <p:boldItalic r:id="rId14"/>
     </p:embeddedFont>
     <p:embeddedFont>
       <p:font typeface="Quattrocento Sans" panose="020B0600000101010101" charset="0"/>
-      <p:regular r:id="rId23"/>
-      <p:bold r:id="rId24"/>
-      <p:italic r:id="rId25"/>
-      <p:boldItalic r:id="rId26"/>
+      <p:regular r:id="rId15"/>
+      <p:bold r:id="rId16"/>
+      <p:italic r:id="rId17"/>
+      <p:boldItalic r:id="rId18"/>
     </p:embeddedFont>
   </p:embeddedFontLst>
   <p:defaultTextStyle>
@@ -930,11 +922,11 @@
 </file>
 
 <file path=ppt/notesSlides/notesSlide3.xml><?xml version="1.0" encoding="utf-8"?>
-<p:notes xmlns:a="http://schemas.openxmlformats.org/drawingml/2006/main" xmlns:r="http://schemas.openxmlformats.org/officeDocument/2006/relationships" xmlns:p="http://schemas.openxmlformats.org/presentationml/2006/main" showMasterSp="0" showMasterPhAnim="0">
+<p:notes xmlns:a="http://schemas.openxmlformats.org/drawingml/2006/main" xmlns:r="http://schemas.openxmlformats.org/officeDocument/2006/relationships" xmlns:p="http://schemas.openxmlformats.org/presentationml/2006/main">
   <p:cSld>
     <p:spTree>
       <p:nvGrpSpPr>
-        <p:cNvPr id="1" name="Shape 106"/>
+        <p:cNvPr id="1" name=""/>
         <p:cNvGrpSpPr/>
         <p:nvPr/>
       </p:nvGrpSpPr>
@@ -948,87 +940,39 @@
       </p:grpSpPr>
       <p:sp>
         <p:nvSpPr>
-          <p:cNvPr id="107" name="Google Shape;107;g35f391192_029:notes"/>
+          <p:cNvPr id="2" name="슬라이드 이미지 개체 틀 1"/>
           <p:cNvSpPr>
             <a:spLocks noGrp="1" noRot="1" noChangeAspect="1"/>
           </p:cNvSpPr>
           <p:nvPr>
-            <p:ph type="sldImg" idx="2"/>
+            <p:ph type="sldImg"/>
           </p:nvPr>
         </p:nvSpPr>
-        <p:spPr>
-          <a:xfrm>
-            <a:off x="381000" y="685800"/>
-            <a:ext cx="6096000" cy="3429000"/>
-          </a:xfrm>
-          <a:custGeom>
-            <a:avLst/>
-            <a:gdLst/>
-            <a:ahLst/>
-            <a:cxnLst/>
-            <a:rect l="l" t="t" r="r" b="b"/>
-            <a:pathLst>
-              <a:path w="120000" h="120000" extrusionOk="0">
-                <a:moveTo>
-                  <a:pt x="0" y="0"/>
-                </a:moveTo>
-                <a:lnTo>
-                  <a:pt x="120000" y="0"/>
-                </a:lnTo>
-                <a:lnTo>
-                  <a:pt x="120000" y="120000"/>
-                </a:lnTo>
-                <a:lnTo>
-                  <a:pt x="0" y="120000"/>
-                </a:lnTo>
-                <a:close/>
-              </a:path>
-            </a:pathLst>
-          </a:custGeom>
-        </p:spPr>
+        <p:spPr/>
       </p:sp>
       <p:sp>
         <p:nvSpPr>
-          <p:cNvPr id="108" name="Google Shape;108;g35f391192_029:notes"/>
-          <p:cNvSpPr txBox="1">
+          <p:cNvPr id="3" name="슬라이드 노트 개체 틀 2"/>
+          <p:cNvSpPr>
             <a:spLocks noGrp="1"/>
           </p:cNvSpPr>
           <p:nvPr>
             <p:ph type="body" idx="1"/>
           </p:nvPr>
         </p:nvSpPr>
-        <p:spPr>
-          <a:xfrm>
-            <a:off x="685800" y="4343400"/>
-            <a:ext cx="5486400" cy="4114800"/>
-          </a:xfrm>
-          <a:prstGeom prst="rect">
-            <a:avLst/>
-          </a:prstGeom>
-        </p:spPr>
+        <p:spPr/>
         <p:txBody>
-          <a:bodyPr spcFirstLastPara="1" wrap="square" lIns="91425" tIns="91425" rIns="91425" bIns="91425" anchor="t" anchorCtr="0">
-            <a:noAutofit/>
-          </a:bodyPr>
+          <a:bodyPr/>
           <a:lstStyle/>
           <a:p>
-            <a:pPr marL="0" lvl="0" indent="0" algn="l" rtl="0">
-              <a:spcBef>
-                <a:spcPts val="0"/>
-              </a:spcBef>
-              <a:spcAft>
-                <a:spcPts val="0"/>
-              </a:spcAft>
-              <a:buNone/>
-            </a:pPr>
-            <a:endParaRPr/>
+            <a:endParaRPr lang="ko-KR" altLang="en-US" dirty="0"/>
           </a:p>
         </p:txBody>
       </p:sp>
     </p:spTree>
     <p:extLst>
       <p:ext uri="{BB962C8B-B14F-4D97-AF65-F5344CB8AC3E}">
-        <p14:creationId xmlns:p14="http://schemas.microsoft.com/office/powerpoint/2010/main" val="995791702"/>
+        <p14:creationId xmlns:p14="http://schemas.microsoft.com/office/powerpoint/2010/main" val="160231363"/>
       </p:ext>
     </p:extLst>
   </p:cSld>
@@ -1137,6 +1081,115 @@
     </p:spTree>
     <p:extLst>
       <p:ext uri="{BB962C8B-B14F-4D97-AF65-F5344CB8AC3E}">
+        <p14:creationId xmlns:p14="http://schemas.microsoft.com/office/powerpoint/2010/main" val="995791702"/>
+      </p:ext>
+    </p:extLst>
+  </p:cSld>
+  <p:clrMapOvr>
+    <a:masterClrMapping/>
+  </p:clrMapOvr>
+</p:notes>
+</file>
+
+<file path=ppt/notesSlides/notesSlide5.xml><?xml version="1.0" encoding="utf-8"?>
+<p:notes xmlns:a="http://schemas.openxmlformats.org/drawingml/2006/main" xmlns:r="http://schemas.openxmlformats.org/officeDocument/2006/relationships" xmlns:p="http://schemas.openxmlformats.org/presentationml/2006/main" showMasterSp="0" showMasterPhAnim="0">
+  <p:cSld>
+    <p:spTree>
+      <p:nvGrpSpPr>
+        <p:cNvPr id="1" name="Shape 106"/>
+        <p:cNvGrpSpPr/>
+        <p:nvPr/>
+      </p:nvGrpSpPr>
+      <p:grpSpPr>
+        <a:xfrm>
+          <a:off x="0" y="0"/>
+          <a:ext cx="0" cy="0"/>
+          <a:chOff x="0" y="0"/>
+          <a:chExt cx="0" cy="0"/>
+        </a:xfrm>
+      </p:grpSpPr>
+      <p:sp>
+        <p:nvSpPr>
+          <p:cNvPr id="107" name="Google Shape;107;g35f391192_029:notes"/>
+          <p:cNvSpPr>
+            <a:spLocks noGrp="1" noRot="1" noChangeAspect="1"/>
+          </p:cNvSpPr>
+          <p:nvPr>
+            <p:ph type="sldImg" idx="2"/>
+          </p:nvPr>
+        </p:nvSpPr>
+        <p:spPr>
+          <a:xfrm>
+            <a:off x="381000" y="685800"/>
+            <a:ext cx="6096000" cy="3429000"/>
+          </a:xfrm>
+          <a:custGeom>
+            <a:avLst/>
+            <a:gdLst/>
+            <a:ahLst/>
+            <a:cxnLst/>
+            <a:rect l="l" t="t" r="r" b="b"/>
+            <a:pathLst>
+              <a:path w="120000" h="120000" extrusionOk="0">
+                <a:moveTo>
+                  <a:pt x="0" y="0"/>
+                </a:moveTo>
+                <a:lnTo>
+                  <a:pt x="120000" y="0"/>
+                </a:lnTo>
+                <a:lnTo>
+                  <a:pt x="120000" y="120000"/>
+                </a:lnTo>
+                <a:lnTo>
+                  <a:pt x="0" y="120000"/>
+                </a:lnTo>
+                <a:close/>
+              </a:path>
+            </a:pathLst>
+          </a:custGeom>
+        </p:spPr>
+      </p:sp>
+      <p:sp>
+        <p:nvSpPr>
+          <p:cNvPr id="108" name="Google Shape;108;g35f391192_029:notes"/>
+          <p:cNvSpPr txBox="1">
+            <a:spLocks noGrp="1"/>
+          </p:cNvSpPr>
+          <p:nvPr>
+            <p:ph type="body" idx="1"/>
+          </p:nvPr>
+        </p:nvSpPr>
+        <p:spPr>
+          <a:xfrm>
+            <a:off x="685800" y="4343400"/>
+            <a:ext cx="5486400" cy="4114800"/>
+          </a:xfrm>
+          <a:prstGeom prst="rect">
+            <a:avLst/>
+          </a:prstGeom>
+        </p:spPr>
+        <p:txBody>
+          <a:bodyPr spcFirstLastPara="1" wrap="square" lIns="91425" tIns="91425" rIns="91425" bIns="91425" anchor="t" anchorCtr="0">
+            <a:noAutofit/>
+          </a:bodyPr>
+          <a:lstStyle/>
+          <a:p>
+            <a:pPr marL="0" lvl="0" indent="0" algn="l" rtl="0">
+              <a:spcBef>
+                <a:spcPts val="0"/>
+              </a:spcBef>
+              <a:spcAft>
+                <a:spcPts val="0"/>
+              </a:spcAft>
+              <a:buNone/>
+            </a:pPr>
+            <a:endParaRPr/>
+          </a:p>
+        </p:txBody>
+      </p:sp>
+    </p:spTree>
+    <p:extLst>
+      <p:ext uri="{BB962C8B-B14F-4D97-AF65-F5344CB8AC3E}">
         <p14:creationId xmlns:p14="http://schemas.microsoft.com/office/powerpoint/2010/main" val="891486182"/>
       </p:ext>
     </p:extLst>
@@ -1147,7 +1200,7 @@
 </p:notes>
 </file>
 
-<file path=ppt/notesSlides/notesSlide5.xml><?xml version="1.0" encoding="utf-8"?>
+<file path=ppt/notesSlides/notesSlide6.xml><?xml version="1.0" encoding="utf-8"?>
 <p:notes xmlns:a="http://schemas.openxmlformats.org/drawingml/2006/main" xmlns:r="http://schemas.openxmlformats.org/officeDocument/2006/relationships" xmlns:p="http://schemas.openxmlformats.org/presentationml/2006/main" showMasterSp="0" showMasterPhAnim="0">
   <p:cSld>
     <p:spTree>
@@ -4703,2088 +4756,6 @@
 </p:sld>
 </file>
 
-<file path=ppt/slides/slide10.xml><?xml version="1.0" encoding="utf-8"?>
-<p:sld xmlns:a="http://schemas.openxmlformats.org/drawingml/2006/main" xmlns:r="http://schemas.openxmlformats.org/officeDocument/2006/relationships" xmlns:p="http://schemas.openxmlformats.org/presentationml/2006/main">
-  <p:cSld>
-    <p:spTree>
-      <p:nvGrpSpPr>
-        <p:cNvPr id="1" name=""/>
-        <p:cNvGrpSpPr/>
-        <p:nvPr/>
-      </p:nvGrpSpPr>
-      <p:grpSpPr>
-        <a:xfrm>
-          <a:off x="0" y="0"/>
-          <a:ext cx="0" cy="0"/>
-          <a:chOff x="0" y="0"/>
-          <a:chExt cx="0" cy="0"/>
-        </a:xfrm>
-      </p:grpSpPr>
-      <p:sp>
-        <p:nvSpPr>
-          <p:cNvPr id="2" name="제목 1">
-            <a:extLst>
-              <a:ext uri="{FF2B5EF4-FFF2-40B4-BE49-F238E27FC236}">
-                <a16:creationId xmlns:a16="http://schemas.microsoft.com/office/drawing/2014/main" id="{FFE37475-474E-4567-AA31-BC1123CDDF76}"/>
-              </a:ext>
-            </a:extLst>
-          </p:cNvPr>
-          <p:cNvSpPr>
-            <a:spLocks noGrp="1"/>
-          </p:cNvSpPr>
-          <p:nvPr>
-            <p:ph type="ctrTitle"/>
-          </p:nvPr>
-        </p:nvSpPr>
-        <p:spPr>
-          <a:xfrm>
-            <a:off x="2006928" y="115905"/>
-            <a:ext cx="5130143" cy="713936"/>
-          </a:xfrm>
-        </p:spPr>
-        <p:txBody>
-          <a:bodyPr/>
-          <a:lstStyle/>
-          <a:p>
-            <a:r>
-              <a:rPr lang="ko-KR" altLang="en-US" dirty="0"/>
-              <a:t>연도별 </a:t>
-            </a:r>
-            <a:br>
-              <a:rPr lang="en-US" altLang="ko-KR" dirty="0"/>
-            </a:br>
-            <a:r>
-              <a:rPr lang="ko-KR" altLang="en-US" dirty="0"/>
-              <a:t>전체 및 </a:t>
-            </a:r>
-            <a:r>
-              <a:rPr lang="en-US" altLang="ko-KR" dirty="0"/>
-              <a:t>1</a:t>
-            </a:r>
-            <a:r>
-              <a:rPr lang="ko-KR" altLang="en-US" dirty="0"/>
-              <a:t>인당 인구</a:t>
-            </a:r>
-            <a:r>
-              <a:rPr lang="en-US" altLang="ko-KR" dirty="0"/>
-              <a:t> </a:t>
-            </a:r>
-            <a:r>
-              <a:rPr lang="ko-KR" altLang="en-US" dirty="0"/>
-              <a:t>온실가스배출량 </a:t>
-            </a:r>
-          </a:p>
-        </p:txBody>
-      </p:sp>
-      <p:sp>
-        <p:nvSpPr>
-          <p:cNvPr id="3" name="슬라이드 번호 개체 틀 2">
-            <a:extLst>
-              <a:ext uri="{FF2B5EF4-FFF2-40B4-BE49-F238E27FC236}">
-                <a16:creationId xmlns:a16="http://schemas.microsoft.com/office/drawing/2014/main" id="{F94CF99C-66BF-4252-B3F1-2ABD20CF70B7}"/>
-              </a:ext>
-            </a:extLst>
-          </p:cNvPr>
-          <p:cNvSpPr>
-            <a:spLocks noGrp="1"/>
-          </p:cNvSpPr>
-          <p:nvPr>
-            <p:ph type="sldNum" idx="12"/>
-          </p:nvPr>
-        </p:nvSpPr>
-        <p:spPr/>
-        <p:txBody>
-          <a:bodyPr/>
-          <a:lstStyle/>
-          <a:p>
-            <a:pPr marL="0" lvl="0" indent="0" algn="r" rtl="0">
-              <a:spcBef>
-                <a:spcPts val="0"/>
-              </a:spcBef>
-              <a:spcAft>
-                <a:spcPts val="0"/>
-              </a:spcAft>
-              <a:buNone/>
-            </a:pPr>
-            <a:fld id="{00000000-1234-1234-1234-123412341234}" type="slidenum">
-              <a:rPr lang="en" smtClean="0"/>
-              <a:t>10</a:t>
-            </a:fld>
-            <a:endParaRPr lang="en"/>
-          </a:p>
-        </p:txBody>
-      </p:sp>
-      <p:sp>
-        <p:nvSpPr>
-          <p:cNvPr id="4" name="Google Shape;112;p15">
-            <a:extLst>
-              <a:ext uri="{FF2B5EF4-FFF2-40B4-BE49-F238E27FC236}">
-                <a16:creationId xmlns:a16="http://schemas.microsoft.com/office/drawing/2014/main" id="{7653567A-7DB0-477F-9BD1-277833A8CA6B}"/>
-              </a:ext>
-            </a:extLst>
-          </p:cNvPr>
-          <p:cNvSpPr txBox="1"/>
-          <p:nvPr/>
-        </p:nvSpPr>
-        <p:spPr>
-          <a:xfrm>
-            <a:off x="1111115" y="165142"/>
-            <a:ext cx="543900" cy="562200"/>
-          </a:xfrm>
-          <a:prstGeom prst="rect">
-            <a:avLst/>
-          </a:prstGeom>
-          <a:noFill/>
-          <a:ln>
-            <a:noFill/>
-          </a:ln>
-        </p:spPr>
-        <p:txBody>
-          <a:bodyPr spcFirstLastPara="1" wrap="square" lIns="91425" tIns="91425" rIns="91425" bIns="91425" anchor="ctr" anchorCtr="0">
-            <a:noAutofit/>
-          </a:bodyPr>
-          <a:lstStyle/>
-          <a:p>
-            <a:pPr marL="0" lvl="0" indent="0" algn="ctr" rtl="0">
-              <a:spcBef>
-                <a:spcPts val="0"/>
-              </a:spcBef>
-              <a:spcAft>
-                <a:spcPts val="0"/>
-              </a:spcAft>
-              <a:buNone/>
-            </a:pPr>
-            <a:r>
-              <a:rPr lang="en" sz="2400" dirty="0">
-                <a:solidFill>
-                  <a:schemeClr val="dk1"/>
-                </a:solidFill>
-                <a:latin typeface="Lora"/>
-                <a:ea typeface="Lora"/>
-                <a:cs typeface="Lora"/>
-                <a:sym typeface="Lora"/>
-              </a:rPr>
-              <a:t>1</a:t>
-            </a:r>
-            <a:endParaRPr sz="2400" dirty="0">
-              <a:latin typeface="Lora"/>
-              <a:ea typeface="Lora"/>
-              <a:cs typeface="Lora"/>
-              <a:sym typeface="Lora"/>
-            </a:endParaRPr>
-          </a:p>
-        </p:txBody>
-      </p:sp>
-      <p:pic>
-        <p:nvPicPr>
-          <p:cNvPr id="6" name="그림 5">
-            <a:extLst>
-              <a:ext uri="{FF2B5EF4-FFF2-40B4-BE49-F238E27FC236}">
-                <a16:creationId xmlns:a16="http://schemas.microsoft.com/office/drawing/2014/main" id="{1067ECC5-9105-477E-8E45-5D9520F75D36}"/>
-              </a:ext>
-            </a:extLst>
-          </p:cNvPr>
-          <p:cNvPicPr>
-            <a:picLocks noChangeAspect="1"/>
-          </p:cNvPicPr>
-          <p:nvPr/>
-        </p:nvPicPr>
-        <p:blipFill>
-          <a:blip r:embed="rId2"/>
-          <a:stretch>
-            <a:fillRect/>
-          </a:stretch>
-        </p:blipFill>
-        <p:spPr>
-          <a:xfrm>
-            <a:off x="4676400" y="442350"/>
-            <a:ext cx="4258800" cy="4258800"/>
-          </a:xfrm>
-          <a:prstGeom prst="rect">
-            <a:avLst/>
-          </a:prstGeom>
-        </p:spPr>
-      </p:pic>
-      <p:pic>
-        <p:nvPicPr>
-          <p:cNvPr id="8" name="그림 7">
-            <a:extLst>
-              <a:ext uri="{FF2B5EF4-FFF2-40B4-BE49-F238E27FC236}">
-                <a16:creationId xmlns:a16="http://schemas.microsoft.com/office/drawing/2014/main" id="{115A1C3B-C2CF-4AEE-B1B9-66EB59E9FA69}"/>
-              </a:ext>
-            </a:extLst>
-          </p:cNvPr>
-          <p:cNvPicPr>
-            <a:picLocks noChangeAspect="1"/>
-          </p:cNvPicPr>
-          <p:nvPr/>
-        </p:nvPicPr>
-        <p:blipFill>
-          <a:blip r:embed="rId3"/>
-          <a:stretch>
-            <a:fillRect/>
-          </a:stretch>
-        </p:blipFill>
-        <p:spPr>
-          <a:xfrm>
-            <a:off x="208800" y="442350"/>
-            <a:ext cx="4258800" cy="4258800"/>
-          </a:xfrm>
-          <a:prstGeom prst="rect">
-            <a:avLst/>
-          </a:prstGeom>
-        </p:spPr>
-      </p:pic>
-    </p:spTree>
-    <p:extLst>
-      <p:ext uri="{BB962C8B-B14F-4D97-AF65-F5344CB8AC3E}">
-        <p14:creationId xmlns:p14="http://schemas.microsoft.com/office/powerpoint/2010/main" val="4002845925"/>
-      </p:ext>
-    </p:extLst>
-  </p:cSld>
-  <p:clrMapOvr>
-    <a:masterClrMapping/>
-  </p:clrMapOvr>
-</p:sld>
-</file>
-
-<file path=ppt/slides/slide11.xml><?xml version="1.0" encoding="utf-8"?>
-<p:sld xmlns:a="http://schemas.openxmlformats.org/drawingml/2006/main" xmlns:r="http://schemas.openxmlformats.org/officeDocument/2006/relationships" xmlns:p="http://schemas.openxmlformats.org/presentationml/2006/main">
-  <p:cSld>
-    <p:spTree>
-      <p:nvGrpSpPr>
-        <p:cNvPr id="1" name=""/>
-        <p:cNvGrpSpPr/>
-        <p:nvPr/>
-      </p:nvGrpSpPr>
-      <p:grpSpPr>
-        <a:xfrm>
-          <a:off x="0" y="0"/>
-          <a:ext cx="0" cy="0"/>
-          <a:chOff x="0" y="0"/>
-          <a:chExt cx="0" cy="0"/>
-        </a:xfrm>
-      </p:grpSpPr>
-      <p:sp>
-        <p:nvSpPr>
-          <p:cNvPr id="2" name="제목 1">
-            <a:extLst>
-              <a:ext uri="{FF2B5EF4-FFF2-40B4-BE49-F238E27FC236}">
-                <a16:creationId xmlns:a16="http://schemas.microsoft.com/office/drawing/2014/main" id="{FFE37475-474E-4567-AA31-BC1123CDDF76}"/>
-              </a:ext>
-            </a:extLst>
-          </p:cNvPr>
-          <p:cNvSpPr>
-            <a:spLocks noGrp="1"/>
-          </p:cNvSpPr>
-          <p:nvPr>
-            <p:ph type="ctrTitle"/>
-          </p:nvPr>
-        </p:nvSpPr>
-        <p:spPr>
-          <a:xfrm>
-            <a:off x="2006928" y="115905"/>
-            <a:ext cx="5130143" cy="713936"/>
-          </a:xfrm>
-        </p:spPr>
-        <p:txBody>
-          <a:bodyPr/>
-          <a:lstStyle/>
-          <a:p>
-            <a:r>
-              <a:rPr lang="ko-KR" altLang="en-US" dirty="0"/>
-              <a:t>연도별 </a:t>
-            </a:r>
-            <a:br>
-              <a:rPr lang="en-US" altLang="ko-KR" dirty="0"/>
-            </a:br>
-            <a:r>
-              <a:rPr lang="ko-KR" altLang="en-US" dirty="0"/>
-              <a:t>전체 및 </a:t>
-            </a:r>
-            <a:r>
-              <a:rPr lang="en-US" altLang="ko-KR" dirty="0"/>
-              <a:t>1</a:t>
-            </a:r>
-            <a:r>
-              <a:rPr lang="ko-KR" altLang="en-US" dirty="0"/>
-              <a:t>인당 인구</a:t>
-            </a:r>
-            <a:r>
-              <a:rPr lang="en-US" altLang="ko-KR" dirty="0"/>
-              <a:t> </a:t>
-            </a:r>
-            <a:r>
-              <a:rPr lang="ko-KR" altLang="en-US" dirty="0"/>
-              <a:t>온실가스배출량 </a:t>
-            </a:r>
-          </a:p>
-        </p:txBody>
-      </p:sp>
-      <p:sp>
-        <p:nvSpPr>
-          <p:cNvPr id="3" name="슬라이드 번호 개체 틀 2">
-            <a:extLst>
-              <a:ext uri="{FF2B5EF4-FFF2-40B4-BE49-F238E27FC236}">
-                <a16:creationId xmlns:a16="http://schemas.microsoft.com/office/drawing/2014/main" id="{F94CF99C-66BF-4252-B3F1-2ABD20CF70B7}"/>
-              </a:ext>
-            </a:extLst>
-          </p:cNvPr>
-          <p:cNvSpPr>
-            <a:spLocks noGrp="1"/>
-          </p:cNvSpPr>
-          <p:nvPr>
-            <p:ph type="sldNum" idx="12"/>
-          </p:nvPr>
-        </p:nvSpPr>
-        <p:spPr/>
-        <p:txBody>
-          <a:bodyPr/>
-          <a:lstStyle/>
-          <a:p>
-            <a:pPr marL="0" lvl="0" indent="0" algn="r" rtl="0">
-              <a:spcBef>
-                <a:spcPts val="0"/>
-              </a:spcBef>
-              <a:spcAft>
-                <a:spcPts val="0"/>
-              </a:spcAft>
-              <a:buNone/>
-            </a:pPr>
-            <a:fld id="{00000000-1234-1234-1234-123412341234}" type="slidenum">
-              <a:rPr lang="en" smtClean="0"/>
-              <a:t>11</a:t>
-            </a:fld>
-            <a:endParaRPr lang="en"/>
-          </a:p>
-        </p:txBody>
-      </p:sp>
-      <p:sp>
-        <p:nvSpPr>
-          <p:cNvPr id="4" name="Google Shape;112;p15">
-            <a:extLst>
-              <a:ext uri="{FF2B5EF4-FFF2-40B4-BE49-F238E27FC236}">
-                <a16:creationId xmlns:a16="http://schemas.microsoft.com/office/drawing/2014/main" id="{7653567A-7DB0-477F-9BD1-277833A8CA6B}"/>
-              </a:ext>
-            </a:extLst>
-          </p:cNvPr>
-          <p:cNvSpPr txBox="1"/>
-          <p:nvPr/>
-        </p:nvSpPr>
-        <p:spPr>
-          <a:xfrm>
-            <a:off x="1111115" y="165142"/>
-            <a:ext cx="543900" cy="562200"/>
-          </a:xfrm>
-          <a:prstGeom prst="rect">
-            <a:avLst/>
-          </a:prstGeom>
-          <a:noFill/>
-          <a:ln>
-            <a:noFill/>
-          </a:ln>
-        </p:spPr>
-        <p:txBody>
-          <a:bodyPr spcFirstLastPara="1" wrap="square" lIns="91425" tIns="91425" rIns="91425" bIns="91425" anchor="ctr" anchorCtr="0">
-            <a:noAutofit/>
-          </a:bodyPr>
-          <a:lstStyle/>
-          <a:p>
-            <a:pPr marL="0" lvl="0" indent="0" algn="ctr" rtl="0">
-              <a:spcBef>
-                <a:spcPts val="0"/>
-              </a:spcBef>
-              <a:spcAft>
-                <a:spcPts val="0"/>
-              </a:spcAft>
-              <a:buNone/>
-            </a:pPr>
-            <a:r>
-              <a:rPr lang="en" sz="2400" dirty="0">
-                <a:solidFill>
-                  <a:schemeClr val="dk1"/>
-                </a:solidFill>
-                <a:latin typeface="Lora"/>
-                <a:ea typeface="Lora"/>
-                <a:cs typeface="Lora"/>
-                <a:sym typeface="Lora"/>
-              </a:rPr>
-              <a:t>1</a:t>
-            </a:r>
-            <a:endParaRPr sz="2400" dirty="0">
-              <a:latin typeface="Lora"/>
-              <a:ea typeface="Lora"/>
-              <a:cs typeface="Lora"/>
-              <a:sym typeface="Lora"/>
-            </a:endParaRPr>
-          </a:p>
-        </p:txBody>
-      </p:sp>
-      <p:pic>
-        <p:nvPicPr>
-          <p:cNvPr id="6" name="그림 5">
-            <a:extLst>
-              <a:ext uri="{FF2B5EF4-FFF2-40B4-BE49-F238E27FC236}">
-                <a16:creationId xmlns:a16="http://schemas.microsoft.com/office/drawing/2014/main" id="{AF2DF6B1-681D-4C7E-8D38-1DCE6483C9AA}"/>
-              </a:ext>
-            </a:extLst>
-          </p:cNvPr>
-          <p:cNvPicPr>
-            <a:picLocks noChangeAspect="1"/>
-          </p:cNvPicPr>
-          <p:nvPr/>
-        </p:nvPicPr>
-        <p:blipFill>
-          <a:blip r:embed="rId2"/>
-          <a:stretch>
-            <a:fillRect/>
-          </a:stretch>
-        </p:blipFill>
-        <p:spPr>
-          <a:xfrm>
-            <a:off x="4676400" y="442350"/>
-            <a:ext cx="4258800" cy="4258800"/>
-          </a:xfrm>
-          <a:prstGeom prst="rect">
-            <a:avLst/>
-          </a:prstGeom>
-        </p:spPr>
-      </p:pic>
-      <p:pic>
-        <p:nvPicPr>
-          <p:cNvPr id="8" name="그림 7">
-            <a:extLst>
-              <a:ext uri="{FF2B5EF4-FFF2-40B4-BE49-F238E27FC236}">
-                <a16:creationId xmlns:a16="http://schemas.microsoft.com/office/drawing/2014/main" id="{84F59B85-D824-40E1-B10C-179FE5DC5905}"/>
-              </a:ext>
-            </a:extLst>
-          </p:cNvPr>
-          <p:cNvPicPr>
-            <a:picLocks noChangeAspect="1"/>
-          </p:cNvPicPr>
-          <p:nvPr/>
-        </p:nvPicPr>
-        <p:blipFill>
-          <a:blip r:embed="rId3"/>
-          <a:stretch>
-            <a:fillRect/>
-          </a:stretch>
-        </p:blipFill>
-        <p:spPr>
-          <a:xfrm>
-            <a:off x="208800" y="442350"/>
-            <a:ext cx="4258800" cy="4258800"/>
-          </a:xfrm>
-          <a:prstGeom prst="rect">
-            <a:avLst/>
-          </a:prstGeom>
-        </p:spPr>
-      </p:pic>
-    </p:spTree>
-    <p:extLst>
-      <p:ext uri="{BB962C8B-B14F-4D97-AF65-F5344CB8AC3E}">
-        <p14:creationId xmlns:p14="http://schemas.microsoft.com/office/powerpoint/2010/main" val="2051040935"/>
-      </p:ext>
-    </p:extLst>
-  </p:cSld>
-  <p:clrMapOvr>
-    <a:masterClrMapping/>
-  </p:clrMapOvr>
-</p:sld>
-</file>
-
-<file path=ppt/slides/slide12.xml><?xml version="1.0" encoding="utf-8"?>
-<p:sld xmlns:a="http://schemas.openxmlformats.org/drawingml/2006/main" xmlns:r="http://schemas.openxmlformats.org/officeDocument/2006/relationships" xmlns:p="http://schemas.openxmlformats.org/presentationml/2006/main">
-  <p:cSld>
-    <p:spTree>
-      <p:nvGrpSpPr>
-        <p:cNvPr id="1" name="Shape 109"/>
-        <p:cNvGrpSpPr/>
-        <p:nvPr/>
-      </p:nvGrpSpPr>
-      <p:grpSpPr>
-        <a:xfrm>
-          <a:off x="0" y="0"/>
-          <a:ext cx="0" cy="0"/>
-          <a:chOff x="0" y="0"/>
-          <a:chExt cx="0" cy="0"/>
-        </a:xfrm>
-      </p:grpSpPr>
-      <p:sp>
-        <p:nvSpPr>
-          <p:cNvPr id="110" name="Google Shape;110;p15"/>
-          <p:cNvSpPr txBox="1">
-            <a:spLocks noGrp="1"/>
-          </p:cNvSpPr>
-          <p:nvPr>
-            <p:ph type="ctrTitle"/>
-          </p:nvPr>
-        </p:nvSpPr>
-        <p:spPr>
-          <a:xfrm>
-            <a:off x="2015190" y="1991850"/>
-            <a:ext cx="5025689" cy="1159800"/>
-          </a:xfrm>
-          <a:prstGeom prst="rect">
-            <a:avLst/>
-          </a:prstGeom>
-        </p:spPr>
-        <p:txBody>
-          <a:bodyPr spcFirstLastPara="1" wrap="square" lIns="91425" tIns="91425" rIns="91425" bIns="91425" anchor="b" anchorCtr="0">
-            <a:noAutofit/>
-          </a:bodyPr>
-          <a:lstStyle/>
-          <a:p>
-            <a:pPr marL="0" lvl="0" indent="0" algn="ctr" rtl="0">
-              <a:spcBef>
-                <a:spcPts val="0"/>
-              </a:spcBef>
-              <a:spcAft>
-                <a:spcPts val="0"/>
-              </a:spcAft>
-              <a:buNone/>
-            </a:pPr>
-            <a:r>
-              <a:rPr lang="ko-KR" altLang="en-US" dirty="0"/>
-              <a:t>충청남도 </a:t>
-            </a:r>
-            <a:br>
-              <a:rPr lang="en-US" altLang="ko-KR" dirty="0"/>
-            </a:br>
-            <a:r>
-              <a:rPr lang="ko-KR" altLang="en-US" dirty="0"/>
-              <a:t>온실가스 배출량 추이</a:t>
-            </a:r>
-            <a:endParaRPr dirty="0"/>
-          </a:p>
-        </p:txBody>
-      </p:sp>
-      <p:sp>
-        <p:nvSpPr>
-          <p:cNvPr id="112" name="Google Shape;112;p15"/>
-          <p:cNvSpPr txBox="1"/>
-          <p:nvPr/>
-        </p:nvSpPr>
-        <p:spPr>
-          <a:xfrm>
-            <a:off x="1133975" y="2291150"/>
-            <a:ext cx="543900" cy="562200"/>
-          </a:xfrm>
-          <a:prstGeom prst="rect">
-            <a:avLst/>
-          </a:prstGeom>
-          <a:noFill/>
-          <a:ln>
-            <a:noFill/>
-          </a:ln>
-        </p:spPr>
-        <p:txBody>
-          <a:bodyPr spcFirstLastPara="1" wrap="square" lIns="91425" tIns="91425" rIns="91425" bIns="91425" anchor="ctr" anchorCtr="0">
-            <a:noAutofit/>
-          </a:bodyPr>
-          <a:lstStyle/>
-          <a:p>
-            <a:pPr marL="0" lvl="0" indent="0" algn="ctr" rtl="0">
-              <a:spcBef>
-                <a:spcPts val="0"/>
-              </a:spcBef>
-              <a:spcAft>
-                <a:spcPts val="0"/>
-              </a:spcAft>
-              <a:buNone/>
-            </a:pPr>
-            <a:r>
-              <a:rPr lang="en" sz="2400" dirty="0">
-                <a:solidFill>
-                  <a:schemeClr val="dk1"/>
-                </a:solidFill>
-                <a:latin typeface="Lora"/>
-                <a:ea typeface="Lora"/>
-                <a:cs typeface="Lora"/>
-                <a:sym typeface="Lora"/>
-              </a:rPr>
-              <a:t>2</a:t>
-            </a:r>
-            <a:endParaRPr sz="2400" dirty="0">
-              <a:latin typeface="Lora"/>
-              <a:ea typeface="Lora"/>
-              <a:cs typeface="Lora"/>
-              <a:sym typeface="Lora"/>
-            </a:endParaRPr>
-          </a:p>
-        </p:txBody>
-      </p:sp>
-      <p:sp>
-        <p:nvSpPr>
-          <p:cNvPr id="113" name="Google Shape;113;p15"/>
-          <p:cNvSpPr txBox="1">
-            <a:spLocks noGrp="1"/>
-          </p:cNvSpPr>
-          <p:nvPr>
-            <p:ph type="sldNum" idx="12"/>
-          </p:nvPr>
-        </p:nvSpPr>
-        <p:spPr>
-          <a:xfrm>
-            <a:off x="8543227" y="4749851"/>
-            <a:ext cx="548700" cy="393600"/>
-          </a:xfrm>
-          <a:prstGeom prst="rect">
-            <a:avLst/>
-          </a:prstGeom>
-        </p:spPr>
-        <p:txBody>
-          <a:bodyPr spcFirstLastPara="1" wrap="square" lIns="91425" tIns="91425" rIns="91425" bIns="91425" anchor="t" anchorCtr="0">
-            <a:noAutofit/>
-          </a:bodyPr>
-          <a:lstStyle/>
-          <a:p>
-            <a:pPr marL="0" lvl="0" indent="0" algn="r" rtl="0">
-              <a:spcBef>
-                <a:spcPts val="0"/>
-              </a:spcBef>
-              <a:spcAft>
-                <a:spcPts val="0"/>
-              </a:spcAft>
-              <a:buNone/>
-            </a:pPr>
-            <a:fld id="{00000000-1234-1234-1234-123412341234}" type="slidenum">
-              <a:rPr lang="en"/>
-              <a:t>12</a:t>
-            </a:fld>
-            <a:endParaRPr/>
-          </a:p>
-        </p:txBody>
-      </p:sp>
-    </p:spTree>
-    <p:extLst>
-      <p:ext uri="{BB962C8B-B14F-4D97-AF65-F5344CB8AC3E}">
-        <p14:creationId xmlns:p14="http://schemas.microsoft.com/office/powerpoint/2010/main" val="4163462909"/>
-      </p:ext>
-    </p:extLst>
-  </p:cSld>
-  <p:clrMapOvr>
-    <a:masterClrMapping/>
-  </p:clrMapOvr>
-</p:sld>
-</file>
-
-<file path=ppt/slides/slide13.xml><?xml version="1.0" encoding="utf-8"?>
-<p:sld xmlns:a="http://schemas.openxmlformats.org/drawingml/2006/main" xmlns:r="http://schemas.openxmlformats.org/officeDocument/2006/relationships" xmlns:p="http://schemas.openxmlformats.org/presentationml/2006/main">
-  <p:cSld>
-    <p:spTree>
-      <p:nvGrpSpPr>
-        <p:cNvPr id="1" name=""/>
-        <p:cNvGrpSpPr/>
-        <p:nvPr/>
-      </p:nvGrpSpPr>
-      <p:grpSpPr>
-        <a:xfrm>
-          <a:off x="0" y="0"/>
-          <a:ext cx="0" cy="0"/>
-          <a:chOff x="0" y="0"/>
-          <a:chExt cx="0" cy="0"/>
-        </a:xfrm>
-      </p:grpSpPr>
-      <p:sp>
-        <p:nvSpPr>
-          <p:cNvPr id="2" name="제목 1">
-            <a:extLst>
-              <a:ext uri="{FF2B5EF4-FFF2-40B4-BE49-F238E27FC236}">
-                <a16:creationId xmlns:a16="http://schemas.microsoft.com/office/drawing/2014/main" id="{FFE37475-474E-4567-AA31-BC1123CDDF76}"/>
-              </a:ext>
-            </a:extLst>
-          </p:cNvPr>
-          <p:cNvSpPr>
-            <a:spLocks noGrp="1"/>
-          </p:cNvSpPr>
-          <p:nvPr>
-            <p:ph type="ctrTitle"/>
-          </p:nvPr>
-        </p:nvSpPr>
-        <p:spPr>
-          <a:xfrm>
-            <a:off x="2002177" y="228599"/>
-            <a:ext cx="5200481" cy="498743"/>
-          </a:xfrm>
-        </p:spPr>
-        <p:txBody>
-          <a:bodyPr/>
-          <a:lstStyle/>
-          <a:p>
-            <a:pPr algn="ctr"/>
-            <a:r>
-              <a:rPr lang="ko-KR" altLang="en-US" dirty="0"/>
-              <a:t>충청남도 온실가스 배출량 추이</a:t>
-            </a:r>
-          </a:p>
-        </p:txBody>
-      </p:sp>
-      <p:sp>
-        <p:nvSpPr>
-          <p:cNvPr id="3" name="슬라이드 번호 개체 틀 2">
-            <a:extLst>
-              <a:ext uri="{FF2B5EF4-FFF2-40B4-BE49-F238E27FC236}">
-                <a16:creationId xmlns:a16="http://schemas.microsoft.com/office/drawing/2014/main" id="{F94CF99C-66BF-4252-B3F1-2ABD20CF70B7}"/>
-              </a:ext>
-            </a:extLst>
-          </p:cNvPr>
-          <p:cNvSpPr>
-            <a:spLocks noGrp="1"/>
-          </p:cNvSpPr>
-          <p:nvPr>
-            <p:ph type="sldNum" idx="12"/>
-          </p:nvPr>
-        </p:nvSpPr>
-        <p:spPr/>
-        <p:txBody>
-          <a:bodyPr/>
-          <a:lstStyle/>
-          <a:p>
-            <a:pPr marL="0" lvl="0" indent="0" algn="r" rtl="0">
-              <a:spcBef>
-                <a:spcPts val="0"/>
-              </a:spcBef>
-              <a:spcAft>
-                <a:spcPts val="0"/>
-              </a:spcAft>
-              <a:buNone/>
-            </a:pPr>
-            <a:fld id="{00000000-1234-1234-1234-123412341234}" type="slidenum">
-              <a:rPr lang="en" smtClean="0"/>
-              <a:t>13</a:t>
-            </a:fld>
-            <a:endParaRPr lang="en"/>
-          </a:p>
-        </p:txBody>
-      </p:sp>
-      <p:sp>
-        <p:nvSpPr>
-          <p:cNvPr id="4" name="Google Shape;112;p15">
-            <a:extLst>
-              <a:ext uri="{FF2B5EF4-FFF2-40B4-BE49-F238E27FC236}">
-                <a16:creationId xmlns:a16="http://schemas.microsoft.com/office/drawing/2014/main" id="{7653567A-7DB0-477F-9BD1-277833A8CA6B}"/>
-              </a:ext>
-            </a:extLst>
-          </p:cNvPr>
-          <p:cNvSpPr txBox="1"/>
-          <p:nvPr/>
-        </p:nvSpPr>
-        <p:spPr>
-          <a:xfrm>
-            <a:off x="1111115" y="165142"/>
-            <a:ext cx="543900" cy="562200"/>
-          </a:xfrm>
-          <a:prstGeom prst="rect">
-            <a:avLst/>
-          </a:prstGeom>
-          <a:noFill/>
-          <a:ln>
-            <a:noFill/>
-          </a:ln>
-        </p:spPr>
-        <p:txBody>
-          <a:bodyPr spcFirstLastPara="1" wrap="square" lIns="91425" tIns="91425" rIns="91425" bIns="91425" anchor="ctr" anchorCtr="0">
-            <a:noAutofit/>
-          </a:bodyPr>
-          <a:lstStyle/>
-          <a:p>
-            <a:pPr marL="0" lvl="0" indent="0" algn="ctr" rtl="0">
-              <a:spcBef>
-                <a:spcPts val="0"/>
-              </a:spcBef>
-              <a:spcAft>
-                <a:spcPts val="0"/>
-              </a:spcAft>
-              <a:buNone/>
-            </a:pPr>
-            <a:r>
-              <a:rPr lang="en" sz="2400" dirty="0">
-                <a:solidFill>
-                  <a:schemeClr val="dk1"/>
-                </a:solidFill>
-                <a:latin typeface="Lora"/>
-                <a:ea typeface="Lora"/>
-                <a:cs typeface="Lora"/>
-                <a:sym typeface="Lora"/>
-              </a:rPr>
-              <a:t>2</a:t>
-            </a:r>
-            <a:endParaRPr sz="2400" dirty="0">
-              <a:latin typeface="Lora"/>
-              <a:ea typeface="Lora"/>
-              <a:cs typeface="Lora"/>
-              <a:sym typeface="Lora"/>
-            </a:endParaRPr>
-          </a:p>
-        </p:txBody>
-      </p:sp>
-      <p:pic>
-        <p:nvPicPr>
-          <p:cNvPr id="6" name="그림 5">
-            <a:extLst>
-              <a:ext uri="{FF2B5EF4-FFF2-40B4-BE49-F238E27FC236}">
-                <a16:creationId xmlns:a16="http://schemas.microsoft.com/office/drawing/2014/main" id="{A68A75D6-4CA0-427B-AE2E-2C83CF114721}"/>
-              </a:ext>
-            </a:extLst>
-          </p:cNvPr>
-          <p:cNvPicPr>
-            <a:picLocks noChangeAspect="1"/>
-          </p:cNvPicPr>
-          <p:nvPr/>
-        </p:nvPicPr>
-        <p:blipFill>
-          <a:blip r:embed="rId2"/>
-          <a:stretch>
-            <a:fillRect/>
-          </a:stretch>
-        </p:blipFill>
-        <p:spPr>
-          <a:xfrm>
-            <a:off x="759655" y="848400"/>
-            <a:ext cx="7624689" cy="4066501"/>
-          </a:xfrm>
-          <a:prstGeom prst="rect">
-            <a:avLst/>
-          </a:prstGeom>
-        </p:spPr>
-      </p:pic>
-    </p:spTree>
-    <p:extLst>
-      <p:ext uri="{BB962C8B-B14F-4D97-AF65-F5344CB8AC3E}">
-        <p14:creationId xmlns:p14="http://schemas.microsoft.com/office/powerpoint/2010/main" val="2412055557"/>
-      </p:ext>
-    </p:extLst>
-  </p:cSld>
-  <p:clrMapOvr>
-    <a:masterClrMapping/>
-  </p:clrMapOvr>
-</p:sld>
-</file>
-
-<file path=ppt/slides/slide14.xml><?xml version="1.0" encoding="utf-8"?>
-<p:sld xmlns:a="http://schemas.openxmlformats.org/drawingml/2006/main" xmlns:r="http://schemas.openxmlformats.org/officeDocument/2006/relationships" xmlns:p="http://schemas.openxmlformats.org/presentationml/2006/main">
-  <p:cSld>
-    <p:spTree>
-      <p:nvGrpSpPr>
-        <p:cNvPr id="1" name="Shape 109"/>
-        <p:cNvGrpSpPr/>
-        <p:nvPr/>
-      </p:nvGrpSpPr>
-      <p:grpSpPr>
-        <a:xfrm>
-          <a:off x="0" y="0"/>
-          <a:ext cx="0" cy="0"/>
-          <a:chOff x="0" y="0"/>
-          <a:chExt cx="0" cy="0"/>
-        </a:xfrm>
-      </p:grpSpPr>
-      <p:sp>
-        <p:nvSpPr>
-          <p:cNvPr id="110" name="Google Shape;110;p15"/>
-          <p:cNvSpPr txBox="1">
-            <a:spLocks noGrp="1"/>
-          </p:cNvSpPr>
-          <p:nvPr>
-            <p:ph type="ctrTitle"/>
-          </p:nvPr>
-        </p:nvSpPr>
-        <p:spPr>
-          <a:xfrm>
-            <a:off x="2015190" y="1991850"/>
-            <a:ext cx="5025689" cy="1159800"/>
-          </a:xfrm>
-          <a:prstGeom prst="rect">
-            <a:avLst/>
-          </a:prstGeom>
-        </p:spPr>
-        <p:txBody>
-          <a:bodyPr spcFirstLastPara="1" wrap="square" lIns="91425" tIns="91425" rIns="91425" bIns="91425" anchor="b" anchorCtr="0">
-            <a:noAutofit/>
-          </a:bodyPr>
-          <a:lstStyle/>
-          <a:p>
-            <a:pPr marL="0" lvl="0" indent="0" algn="ctr" rtl="0">
-              <a:spcBef>
-                <a:spcPts val="0"/>
-              </a:spcBef>
-              <a:spcAft>
-                <a:spcPts val="0"/>
-              </a:spcAft>
-              <a:buNone/>
-            </a:pPr>
-            <a:r>
-              <a:rPr lang="ko-KR" altLang="en-US" dirty="0"/>
-              <a:t>관리업체 및 사업장 </a:t>
-            </a:r>
-            <a:br>
-              <a:rPr lang="en-US" altLang="ko-KR" dirty="0"/>
-            </a:br>
-            <a:r>
-              <a:rPr lang="ko-KR" altLang="en-US" dirty="0"/>
-              <a:t>온실가스 배출량 비교</a:t>
-            </a:r>
-            <a:endParaRPr dirty="0"/>
-          </a:p>
-        </p:txBody>
-      </p:sp>
-      <p:sp>
-        <p:nvSpPr>
-          <p:cNvPr id="112" name="Google Shape;112;p15"/>
-          <p:cNvSpPr txBox="1"/>
-          <p:nvPr/>
-        </p:nvSpPr>
-        <p:spPr>
-          <a:xfrm>
-            <a:off x="1133975" y="2291150"/>
-            <a:ext cx="543900" cy="562200"/>
-          </a:xfrm>
-          <a:prstGeom prst="rect">
-            <a:avLst/>
-          </a:prstGeom>
-          <a:noFill/>
-          <a:ln>
-            <a:noFill/>
-          </a:ln>
-        </p:spPr>
-        <p:txBody>
-          <a:bodyPr spcFirstLastPara="1" wrap="square" lIns="91425" tIns="91425" rIns="91425" bIns="91425" anchor="ctr" anchorCtr="0">
-            <a:noAutofit/>
-          </a:bodyPr>
-          <a:lstStyle/>
-          <a:p>
-            <a:pPr marL="0" lvl="0" indent="0" algn="ctr" rtl="0">
-              <a:spcBef>
-                <a:spcPts val="0"/>
-              </a:spcBef>
-              <a:spcAft>
-                <a:spcPts val="0"/>
-              </a:spcAft>
-              <a:buNone/>
-            </a:pPr>
-            <a:r>
-              <a:rPr lang="en" sz="2400" dirty="0">
-                <a:solidFill>
-                  <a:schemeClr val="dk1"/>
-                </a:solidFill>
-                <a:latin typeface="Lora"/>
-                <a:ea typeface="Lora"/>
-                <a:cs typeface="Lora"/>
-                <a:sym typeface="Lora"/>
-              </a:rPr>
-              <a:t>3</a:t>
-            </a:r>
-            <a:endParaRPr sz="2400" dirty="0">
-              <a:latin typeface="Lora"/>
-              <a:ea typeface="Lora"/>
-              <a:cs typeface="Lora"/>
-              <a:sym typeface="Lora"/>
-            </a:endParaRPr>
-          </a:p>
-        </p:txBody>
-      </p:sp>
-      <p:sp>
-        <p:nvSpPr>
-          <p:cNvPr id="113" name="Google Shape;113;p15"/>
-          <p:cNvSpPr txBox="1">
-            <a:spLocks noGrp="1"/>
-          </p:cNvSpPr>
-          <p:nvPr>
-            <p:ph type="sldNum" idx="12"/>
-          </p:nvPr>
-        </p:nvSpPr>
-        <p:spPr>
-          <a:xfrm>
-            <a:off x="8543227" y="4749851"/>
-            <a:ext cx="548700" cy="393600"/>
-          </a:xfrm>
-          <a:prstGeom prst="rect">
-            <a:avLst/>
-          </a:prstGeom>
-        </p:spPr>
-        <p:txBody>
-          <a:bodyPr spcFirstLastPara="1" wrap="square" lIns="91425" tIns="91425" rIns="91425" bIns="91425" anchor="t" anchorCtr="0">
-            <a:noAutofit/>
-          </a:bodyPr>
-          <a:lstStyle/>
-          <a:p>
-            <a:pPr marL="0" lvl="0" indent="0" algn="r" rtl="0">
-              <a:spcBef>
-                <a:spcPts val="0"/>
-              </a:spcBef>
-              <a:spcAft>
-                <a:spcPts val="0"/>
-              </a:spcAft>
-              <a:buNone/>
-            </a:pPr>
-            <a:fld id="{00000000-1234-1234-1234-123412341234}" type="slidenum">
-              <a:rPr lang="en"/>
-              <a:t>14</a:t>
-            </a:fld>
-            <a:endParaRPr/>
-          </a:p>
-        </p:txBody>
-      </p:sp>
-    </p:spTree>
-    <p:extLst>
-      <p:ext uri="{BB962C8B-B14F-4D97-AF65-F5344CB8AC3E}">
-        <p14:creationId xmlns:p14="http://schemas.microsoft.com/office/powerpoint/2010/main" val="4208856384"/>
-      </p:ext>
-    </p:extLst>
-  </p:cSld>
-  <p:clrMapOvr>
-    <a:masterClrMapping/>
-  </p:clrMapOvr>
-</p:sld>
-</file>
-
-<file path=ppt/slides/slide15.xml><?xml version="1.0" encoding="utf-8"?>
-<p:sld xmlns:a="http://schemas.openxmlformats.org/drawingml/2006/main" xmlns:r="http://schemas.openxmlformats.org/officeDocument/2006/relationships" xmlns:p="http://schemas.openxmlformats.org/presentationml/2006/main">
-  <p:cSld>
-    <p:spTree>
-      <p:nvGrpSpPr>
-        <p:cNvPr id="1" name=""/>
-        <p:cNvGrpSpPr/>
-        <p:nvPr/>
-      </p:nvGrpSpPr>
-      <p:grpSpPr>
-        <a:xfrm>
-          <a:off x="0" y="0"/>
-          <a:ext cx="0" cy="0"/>
-          <a:chOff x="0" y="0"/>
-          <a:chExt cx="0" cy="0"/>
-        </a:xfrm>
-      </p:grpSpPr>
-      <p:sp>
-        <p:nvSpPr>
-          <p:cNvPr id="2" name="제목 1">
-            <a:extLst>
-              <a:ext uri="{FF2B5EF4-FFF2-40B4-BE49-F238E27FC236}">
-                <a16:creationId xmlns:a16="http://schemas.microsoft.com/office/drawing/2014/main" id="{FFE37475-474E-4567-AA31-BC1123CDDF76}"/>
-              </a:ext>
-            </a:extLst>
-          </p:cNvPr>
-          <p:cNvSpPr>
-            <a:spLocks noGrp="1"/>
-          </p:cNvSpPr>
-          <p:nvPr>
-            <p:ph type="ctrTitle"/>
-          </p:nvPr>
-        </p:nvSpPr>
-        <p:spPr>
-          <a:xfrm>
-            <a:off x="2002177" y="228599"/>
-            <a:ext cx="5200481" cy="498743"/>
-          </a:xfrm>
-        </p:spPr>
-        <p:txBody>
-          <a:bodyPr/>
-          <a:lstStyle/>
-          <a:p>
-            <a:pPr algn="ctr"/>
-            <a:r>
-              <a:rPr lang="ko-KR" altLang="en-US" dirty="0"/>
-              <a:t>관리업체 및 사업장 온실가스 배출량 비교</a:t>
-            </a:r>
-          </a:p>
-        </p:txBody>
-      </p:sp>
-      <p:sp>
-        <p:nvSpPr>
-          <p:cNvPr id="3" name="슬라이드 번호 개체 틀 2">
-            <a:extLst>
-              <a:ext uri="{FF2B5EF4-FFF2-40B4-BE49-F238E27FC236}">
-                <a16:creationId xmlns:a16="http://schemas.microsoft.com/office/drawing/2014/main" id="{F94CF99C-66BF-4252-B3F1-2ABD20CF70B7}"/>
-              </a:ext>
-            </a:extLst>
-          </p:cNvPr>
-          <p:cNvSpPr>
-            <a:spLocks noGrp="1"/>
-          </p:cNvSpPr>
-          <p:nvPr>
-            <p:ph type="sldNum" idx="12"/>
-          </p:nvPr>
-        </p:nvSpPr>
-        <p:spPr/>
-        <p:txBody>
-          <a:bodyPr/>
-          <a:lstStyle/>
-          <a:p>
-            <a:pPr marL="0" lvl="0" indent="0" algn="r" rtl="0">
-              <a:spcBef>
-                <a:spcPts val="0"/>
-              </a:spcBef>
-              <a:spcAft>
-                <a:spcPts val="0"/>
-              </a:spcAft>
-              <a:buNone/>
-            </a:pPr>
-            <a:fld id="{00000000-1234-1234-1234-123412341234}" type="slidenum">
-              <a:rPr lang="en" smtClean="0"/>
-              <a:t>15</a:t>
-            </a:fld>
-            <a:endParaRPr lang="en"/>
-          </a:p>
-        </p:txBody>
-      </p:sp>
-      <p:sp>
-        <p:nvSpPr>
-          <p:cNvPr id="4" name="Google Shape;112;p15">
-            <a:extLst>
-              <a:ext uri="{FF2B5EF4-FFF2-40B4-BE49-F238E27FC236}">
-                <a16:creationId xmlns:a16="http://schemas.microsoft.com/office/drawing/2014/main" id="{7653567A-7DB0-477F-9BD1-277833A8CA6B}"/>
-              </a:ext>
-            </a:extLst>
-          </p:cNvPr>
-          <p:cNvSpPr txBox="1"/>
-          <p:nvPr/>
-        </p:nvSpPr>
-        <p:spPr>
-          <a:xfrm>
-            <a:off x="1111115" y="165142"/>
-            <a:ext cx="543900" cy="562200"/>
-          </a:xfrm>
-          <a:prstGeom prst="rect">
-            <a:avLst/>
-          </a:prstGeom>
-          <a:noFill/>
-          <a:ln>
-            <a:noFill/>
-          </a:ln>
-        </p:spPr>
-        <p:txBody>
-          <a:bodyPr spcFirstLastPara="1" wrap="square" lIns="91425" tIns="91425" rIns="91425" bIns="91425" anchor="ctr" anchorCtr="0">
-            <a:noAutofit/>
-          </a:bodyPr>
-          <a:lstStyle/>
-          <a:p>
-            <a:pPr marL="0" lvl="0" indent="0" algn="ctr" rtl="0">
-              <a:spcBef>
-                <a:spcPts val="0"/>
-              </a:spcBef>
-              <a:spcAft>
-                <a:spcPts val="0"/>
-              </a:spcAft>
-              <a:buNone/>
-            </a:pPr>
-            <a:r>
-              <a:rPr lang="en-US" sz="2400" dirty="0">
-                <a:latin typeface="Lora"/>
-                <a:ea typeface="Lora"/>
-                <a:cs typeface="Lora"/>
-                <a:sym typeface="Lora"/>
-              </a:rPr>
-              <a:t>3</a:t>
-            </a:r>
-            <a:endParaRPr sz="2400" dirty="0">
-              <a:latin typeface="Lora"/>
-              <a:ea typeface="Lora"/>
-              <a:cs typeface="Lora"/>
-              <a:sym typeface="Lora"/>
-            </a:endParaRPr>
-          </a:p>
-        </p:txBody>
-      </p:sp>
-      <p:pic>
-        <p:nvPicPr>
-          <p:cNvPr id="7" name="그림 6">
-            <a:extLst>
-              <a:ext uri="{FF2B5EF4-FFF2-40B4-BE49-F238E27FC236}">
-                <a16:creationId xmlns:a16="http://schemas.microsoft.com/office/drawing/2014/main" id="{0CFB8CAC-E9B3-4894-A11A-EE7A29083A66}"/>
-              </a:ext>
-            </a:extLst>
-          </p:cNvPr>
-          <p:cNvPicPr>
-            <a:picLocks noChangeAspect="1"/>
-          </p:cNvPicPr>
-          <p:nvPr/>
-        </p:nvPicPr>
-        <p:blipFill>
-          <a:blip r:embed="rId2"/>
-          <a:stretch>
-            <a:fillRect/>
-          </a:stretch>
-        </p:blipFill>
-        <p:spPr>
-          <a:xfrm>
-            <a:off x="-52073" y="386569"/>
-            <a:ext cx="9144000" cy="4876800"/>
-          </a:xfrm>
-          <a:prstGeom prst="rect">
-            <a:avLst/>
-          </a:prstGeom>
-        </p:spPr>
-      </p:pic>
-    </p:spTree>
-    <p:extLst>
-      <p:ext uri="{BB962C8B-B14F-4D97-AF65-F5344CB8AC3E}">
-        <p14:creationId xmlns:p14="http://schemas.microsoft.com/office/powerpoint/2010/main" val="666160557"/>
-      </p:ext>
-    </p:extLst>
-  </p:cSld>
-  <p:clrMapOvr>
-    <a:masterClrMapping/>
-  </p:clrMapOvr>
-</p:sld>
-</file>
-
-<file path=ppt/slides/slide16.xml><?xml version="1.0" encoding="utf-8"?>
-<p:sld xmlns:a="http://schemas.openxmlformats.org/drawingml/2006/main" xmlns:r="http://schemas.openxmlformats.org/officeDocument/2006/relationships" xmlns:p="http://schemas.openxmlformats.org/presentationml/2006/main">
-  <p:cSld>
-    <p:spTree>
-      <p:nvGrpSpPr>
-        <p:cNvPr id="1" name="Shape 321"/>
-        <p:cNvGrpSpPr/>
-        <p:nvPr/>
-      </p:nvGrpSpPr>
-      <p:grpSpPr>
-        <a:xfrm>
-          <a:off x="0" y="0"/>
-          <a:ext cx="0" cy="0"/>
-          <a:chOff x="0" y="0"/>
-          <a:chExt cx="0" cy="0"/>
-        </a:xfrm>
-      </p:grpSpPr>
-      <p:cxnSp>
-        <p:nvCxnSpPr>
-          <p:cNvPr id="323" name="Google Shape;323;p30"/>
-          <p:cNvCxnSpPr>
-            <a:cxnSpLocks/>
-          </p:cNvCxnSpPr>
-          <p:nvPr/>
-        </p:nvCxnSpPr>
-        <p:spPr>
-          <a:xfrm>
-            <a:off x="-1170" y="2571750"/>
-            <a:ext cx="2397300" cy="0"/>
-          </a:xfrm>
-          <a:prstGeom prst="straightConnector1">
-            <a:avLst/>
-          </a:prstGeom>
-          <a:noFill/>
-          <a:ln w="9525" cap="flat" cmpd="sng">
-            <a:solidFill>
-              <a:srgbClr val="CCCCCC"/>
-            </a:solidFill>
-            <a:prstDash val="solid"/>
-            <a:round/>
-            <a:headEnd type="none" w="med" len="med"/>
-            <a:tailEnd type="none" w="med" len="med"/>
-          </a:ln>
-        </p:spPr>
-      </p:cxnSp>
-      <p:sp>
-        <p:nvSpPr>
-          <p:cNvPr id="324" name="Google Shape;324;p30"/>
-          <p:cNvSpPr txBox="1">
-            <a:spLocks noGrp="1"/>
-          </p:cNvSpPr>
-          <p:nvPr>
-            <p:ph type="ctrTitle" idx="4294967295"/>
-          </p:nvPr>
-        </p:nvSpPr>
-        <p:spPr>
-          <a:xfrm>
-            <a:off x="2364005" y="1991850"/>
-            <a:ext cx="4908000" cy="1159800"/>
-          </a:xfrm>
-          <a:prstGeom prst="rect">
-            <a:avLst/>
-          </a:prstGeom>
-        </p:spPr>
-        <p:txBody>
-          <a:bodyPr spcFirstLastPara="1" wrap="square" lIns="91425" tIns="91425" rIns="91425" bIns="91425" anchor="ctr" anchorCtr="0">
-            <a:noAutofit/>
-          </a:bodyPr>
-          <a:lstStyle/>
-          <a:p>
-            <a:pPr marL="0" lvl="0" indent="0" algn="l" rtl="0">
-              <a:spcBef>
-                <a:spcPts val="0"/>
-              </a:spcBef>
-              <a:spcAft>
-                <a:spcPts val="0"/>
-              </a:spcAft>
-              <a:buNone/>
-            </a:pPr>
-            <a:r>
-              <a:rPr lang="en" sz="6000" dirty="0"/>
-              <a:t>Thanks!</a:t>
-            </a:r>
-            <a:endParaRPr sz="6000" dirty="0"/>
-          </a:p>
-        </p:txBody>
-      </p:sp>
-      <p:cxnSp>
-        <p:nvCxnSpPr>
-          <p:cNvPr id="325" name="Google Shape;325;p30"/>
-          <p:cNvCxnSpPr>
-            <a:cxnSpLocks/>
-          </p:cNvCxnSpPr>
-          <p:nvPr/>
-        </p:nvCxnSpPr>
-        <p:spPr>
-          <a:xfrm>
-            <a:off x="5582180" y="2571750"/>
-            <a:ext cx="3554100" cy="0"/>
-          </a:xfrm>
-          <a:prstGeom prst="straightConnector1">
-            <a:avLst/>
-          </a:prstGeom>
-          <a:noFill/>
-          <a:ln w="9525" cap="flat" cmpd="sng">
-            <a:solidFill>
-              <a:srgbClr val="CCCCCC"/>
-            </a:solidFill>
-            <a:prstDash val="solid"/>
-            <a:round/>
-            <a:headEnd type="none" w="med" len="med"/>
-            <a:tailEnd type="none" w="med" len="med"/>
-          </a:ln>
-        </p:spPr>
-      </p:cxnSp>
-      <p:sp>
-        <p:nvSpPr>
-          <p:cNvPr id="326" name="Google Shape;326;p30"/>
-          <p:cNvSpPr/>
-          <p:nvPr/>
-        </p:nvSpPr>
-        <p:spPr>
-          <a:xfrm>
-            <a:off x="824305" y="2002200"/>
-            <a:ext cx="1139100" cy="1139100"/>
-          </a:xfrm>
-          <a:prstGeom prst="ellipse">
-            <a:avLst/>
-          </a:prstGeom>
-          <a:solidFill>
-            <a:srgbClr val="FFCD00"/>
-          </a:solidFill>
-          <a:ln>
-            <a:noFill/>
-          </a:ln>
-        </p:spPr>
-        <p:txBody>
-          <a:bodyPr spcFirstLastPara="1" wrap="square" lIns="91425" tIns="91425" rIns="91425" bIns="91425" anchor="ctr" anchorCtr="0">
-            <a:noAutofit/>
-          </a:bodyPr>
-          <a:lstStyle/>
-          <a:p>
-            <a:pPr marL="0" lvl="0" indent="0" algn="l" rtl="0">
-              <a:spcBef>
-                <a:spcPts val="0"/>
-              </a:spcBef>
-              <a:spcAft>
-                <a:spcPts val="0"/>
-              </a:spcAft>
-              <a:buNone/>
-            </a:pPr>
-            <a:endParaRPr/>
-          </a:p>
-        </p:txBody>
-      </p:sp>
-      <p:grpSp>
-        <p:nvGrpSpPr>
-          <p:cNvPr id="327" name="Google Shape;327;p30"/>
-          <p:cNvGrpSpPr/>
-          <p:nvPr/>
-        </p:nvGrpSpPr>
-        <p:grpSpPr>
-          <a:xfrm>
-            <a:off x="1141268" y="2333867"/>
-            <a:ext cx="505722" cy="475767"/>
-            <a:chOff x="5972700" y="2330200"/>
-            <a:chExt cx="411625" cy="387275"/>
-          </a:xfrm>
-        </p:grpSpPr>
-        <p:sp>
-          <p:nvSpPr>
-            <p:cNvPr id="328" name="Google Shape;328;p30"/>
-            <p:cNvSpPr/>
-            <p:nvPr/>
-          </p:nvSpPr>
-          <p:spPr>
-            <a:xfrm>
-              <a:off x="5972700" y="2476950"/>
-              <a:ext cx="98050" cy="219825"/>
-            </a:xfrm>
-            <a:custGeom>
-              <a:avLst/>
-              <a:gdLst/>
-              <a:ahLst/>
-              <a:cxnLst/>
-              <a:rect l="l" t="t" r="r" b="b"/>
-              <a:pathLst>
-                <a:path w="3922" h="8793" fill="none" extrusionOk="0">
-                  <a:moveTo>
-                    <a:pt x="0" y="0"/>
-                  </a:moveTo>
-                  <a:lnTo>
-                    <a:pt x="0" y="8792"/>
-                  </a:lnTo>
-                  <a:lnTo>
-                    <a:pt x="3921" y="8792"/>
-                  </a:lnTo>
-                  <a:lnTo>
-                    <a:pt x="3921" y="0"/>
-                  </a:lnTo>
-                  <a:lnTo>
-                    <a:pt x="0" y="0"/>
-                  </a:lnTo>
-                  <a:close/>
-                  <a:moveTo>
-                    <a:pt x="2411" y="2411"/>
-                  </a:moveTo>
-                  <a:lnTo>
-                    <a:pt x="2411" y="2411"/>
-                  </a:lnTo>
-                  <a:lnTo>
-                    <a:pt x="2265" y="2387"/>
-                  </a:lnTo>
-                  <a:lnTo>
-                    <a:pt x="2143" y="2363"/>
-                  </a:lnTo>
-                  <a:lnTo>
-                    <a:pt x="2022" y="2290"/>
-                  </a:lnTo>
-                  <a:lnTo>
-                    <a:pt x="1924" y="2216"/>
-                  </a:lnTo>
-                  <a:lnTo>
-                    <a:pt x="1827" y="2095"/>
-                  </a:lnTo>
-                  <a:lnTo>
-                    <a:pt x="1754" y="1973"/>
-                  </a:lnTo>
-                  <a:lnTo>
-                    <a:pt x="1729" y="1851"/>
-                  </a:lnTo>
-                  <a:lnTo>
-                    <a:pt x="1705" y="1705"/>
-                  </a:lnTo>
-                  <a:lnTo>
-                    <a:pt x="1705" y="1705"/>
-                  </a:lnTo>
-                  <a:lnTo>
-                    <a:pt x="1729" y="1559"/>
-                  </a:lnTo>
-                  <a:lnTo>
-                    <a:pt x="1754" y="1437"/>
-                  </a:lnTo>
-                  <a:lnTo>
-                    <a:pt x="1827" y="1315"/>
-                  </a:lnTo>
-                  <a:lnTo>
-                    <a:pt x="1924" y="1218"/>
-                  </a:lnTo>
-                  <a:lnTo>
-                    <a:pt x="2022" y="1120"/>
-                  </a:lnTo>
-                  <a:lnTo>
-                    <a:pt x="2143" y="1072"/>
-                  </a:lnTo>
-                  <a:lnTo>
-                    <a:pt x="2265" y="1023"/>
-                  </a:lnTo>
-                  <a:lnTo>
-                    <a:pt x="2411" y="999"/>
-                  </a:lnTo>
-                  <a:lnTo>
-                    <a:pt x="2411" y="999"/>
-                  </a:lnTo>
-                  <a:lnTo>
-                    <a:pt x="2557" y="1023"/>
-                  </a:lnTo>
-                  <a:lnTo>
-                    <a:pt x="2679" y="1072"/>
-                  </a:lnTo>
-                  <a:lnTo>
-                    <a:pt x="2801" y="1120"/>
-                  </a:lnTo>
-                  <a:lnTo>
-                    <a:pt x="2898" y="1218"/>
-                  </a:lnTo>
-                  <a:lnTo>
-                    <a:pt x="2996" y="1315"/>
-                  </a:lnTo>
-                  <a:lnTo>
-                    <a:pt x="3069" y="1437"/>
-                  </a:lnTo>
-                  <a:lnTo>
-                    <a:pt x="3093" y="1559"/>
-                  </a:lnTo>
-                  <a:lnTo>
-                    <a:pt x="3118" y="1705"/>
-                  </a:lnTo>
-                  <a:lnTo>
-                    <a:pt x="3118" y="1705"/>
-                  </a:lnTo>
-                  <a:lnTo>
-                    <a:pt x="3093" y="1851"/>
-                  </a:lnTo>
-                  <a:lnTo>
-                    <a:pt x="3069" y="1973"/>
-                  </a:lnTo>
-                  <a:lnTo>
-                    <a:pt x="2996" y="2095"/>
-                  </a:lnTo>
-                  <a:lnTo>
-                    <a:pt x="2898" y="2216"/>
-                  </a:lnTo>
-                  <a:lnTo>
-                    <a:pt x="2801" y="2290"/>
-                  </a:lnTo>
-                  <a:lnTo>
-                    <a:pt x="2679" y="2363"/>
-                  </a:lnTo>
-                  <a:lnTo>
-                    <a:pt x="2557" y="2387"/>
-                  </a:lnTo>
-                  <a:lnTo>
-                    <a:pt x="2411" y="2411"/>
-                  </a:lnTo>
-                  <a:lnTo>
-                    <a:pt x="2411" y="2411"/>
-                  </a:lnTo>
-                  <a:close/>
-                </a:path>
-              </a:pathLst>
-            </a:custGeom>
-            <a:noFill/>
-            <a:ln w="9525" cap="rnd" cmpd="sng">
-              <a:solidFill>
-                <a:srgbClr val="000000"/>
-              </a:solidFill>
-              <a:prstDash val="solid"/>
-              <a:round/>
-              <a:headEnd type="none" w="sm" len="sm"/>
-              <a:tailEnd type="none" w="sm" len="sm"/>
-            </a:ln>
-          </p:spPr>
-          <p:txBody>
-            <a:bodyPr spcFirstLastPara="1" wrap="square" lIns="91425" tIns="91425" rIns="91425" bIns="91425" anchor="ctr" anchorCtr="0">
-              <a:noAutofit/>
-            </a:bodyPr>
-            <a:lstStyle/>
-            <a:p>
-              <a:pPr marL="0" lvl="0" indent="0" algn="l" rtl="0">
-                <a:spcBef>
-                  <a:spcPts val="0"/>
-                </a:spcBef>
-                <a:spcAft>
-                  <a:spcPts val="0"/>
-                </a:spcAft>
-                <a:buNone/>
-              </a:pPr>
-              <a:endParaRPr/>
-            </a:p>
-          </p:txBody>
-        </p:sp>
-        <p:sp>
-          <p:nvSpPr>
-            <p:cNvPr id="329" name="Google Shape;329;p30"/>
-            <p:cNvSpPr/>
-            <p:nvPr/>
-          </p:nvSpPr>
-          <p:spPr>
-            <a:xfrm>
-              <a:off x="6078025" y="2330200"/>
-              <a:ext cx="306300" cy="387275"/>
-            </a:xfrm>
-            <a:custGeom>
-              <a:avLst/>
-              <a:gdLst/>
-              <a:ahLst/>
-              <a:cxnLst/>
-              <a:rect l="l" t="t" r="r" b="b"/>
-              <a:pathLst>
-                <a:path w="12252" h="15491" fill="none" extrusionOk="0">
-                  <a:moveTo>
-                    <a:pt x="1" y="13396"/>
-                  </a:moveTo>
-                  <a:lnTo>
-                    <a:pt x="1511" y="13396"/>
-                  </a:lnTo>
-                  <a:lnTo>
-                    <a:pt x="1511" y="13396"/>
-                  </a:lnTo>
-                  <a:lnTo>
-                    <a:pt x="1998" y="13639"/>
-                  </a:lnTo>
-                  <a:lnTo>
-                    <a:pt x="2680" y="13932"/>
-                  </a:lnTo>
-                  <a:lnTo>
-                    <a:pt x="3556" y="14273"/>
-                  </a:lnTo>
-                  <a:lnTo>
-                    <a:pt x="4531" y="14638"/>
-                  </a:lnTo>
-                  <a:lnTo>
-                    <a:pt x="5578" y="14955"/>
-                  </a:lnTo>
-                  <a:lnTo>
-                    <a:pt x="6114" y="15101"/>
-                  </a:lnTo>
-                  <a:lnTo>
-                    <a:pt x="6650" y="15222"/>
-                  </a:lnTo>
-                  <a:lnTo>
-                    <a:pt x="7161" y="15344"/>
-                  </a:lnTo>
-                  <a:lnTo>
-                    <a:pt x="7672" y="15417"/>
-                  </a:lnTo>
-                  <a:lnTo>
-                    <a:pt x="8135" y="15466"/>
-                  </a:lnTo>
-                  <a:lnTo>
-                    <a:pt x="8598" y="15490"/>
-                  </a:lnTo>
-                  <a:lnTo>
-                    <a:pt x="8598" y="15490"/>
-                  </a:lnTo>
-                  <a:lnTo>
-                    <a:pt x="9377" y="15490"/>
-                  </a:lnTo>
-                  <a:lnTo>
-                    <a:pt x="9791" y="15466"/>
-                  </a:lnTo>
-                  <a:lnTo>
-                    <a:pt x="10181" y="15417"/>
-                  </a:lnTo>
-                  <a:lnTo>
-                    <a:pt x="10522" y="15320"/>
-                  </a:lnTo>
-                  <a:lnTo>
-                    <a:pt x="10692" y="15271"/>
-                  </a:lnTo>
-                  <a:lnTo>
-                    <a:pt x="10814" y="15222"/>
-                  </a:lnTo>
-                  <a:lnTo>
-                    <a:pt x="10936" y="15149"/>
-                  </a:lnTo>
-                  <a:lnTo>
-                    <a:pt x="11033" y="15052"/>
-                  </a:lnTo>
-                  <a:lnTo>
-                    <a:pt x="11082" y="14955"/>
-                  </a:lnTo>
-                  <a:lnTo>
-                    <a:pt x="11131" y="14833"/>
-                  </a:lnTo>
-                  <a:lnTo>
-                    <a:pt x="11204" y="14126"/>
-                  </a:lnTo>
-                  <a:lnTo>
-                    <a:pt x="11204" y="14126"/>
-                  </a:lnTo>
-                  <a:lnTo>
-                    <a:pt x="11180" y="13956"/>
-                  </a:lnTo>
-                  <a:lnTo>
-                    <a:pt x="11131" y="13810"/>
-                  </a:lnTo>
-                  <a:lnTo>
-                    <a:pt x="11033" y="13664"/>
-                  </a:lnTo>
-                  <a:lnTo>
-                    <a:pt x="10887" y="13542"/>
-                  </a:lnTo>
-                  <a:lnTo>
-                    <a:pt x="10887" y="13542"/>
-                  </a:lnTo>
-                  <a:lnTo>
-                    <a:pt x="11009" y="13518"/>
-                  </a:lnTo>
-                  <a:lnTo>
-                    <a:pt x="11131" y="13469"/>
-                  </a:lnTo>
-                  <a:lnTo>
-                    <a:pt x="11253" y="13420"/>
-                  </a:lnTo>
-                  <a:lnTo>
-                    <a:pt x="11350" y="13323"/>
-                  </a:lnTo>
-                  <a:lnTo>
-                    <a:pt x="11423" y="13225"/>
-                  </a:lnTo>
-                  <a:lnTo>
-                    <a:pt x="11496" y="13104"/>
-                  </a:lnTo>
-                  <a:lnTo>
-                    <a:pt x="11545" y="12957"/>
-                  </a:lnTo>
-                  <a:lnTo>
-                    <a:pt x="11569" y="12836"/>
-                  </a:lnTo>
-                  <a:lnTo>
-                    <a:pt x="11642" y="11959"/>
-                  </a:lnTo>
-                  <a:lnTo>
-                    <a:pt x="11642" y="11959"/>
-                  </a:lnTo>
-                  <a:lnTo>
-                    <a:pt x="11642" y="11837"/>
-                  </a:lnTo>
-                  <a:lnTo>
-                    <a:pt x="11642" y="11740"/>
-                  </a:lnTo>
-                  <a:lnTo>
-                    <a:pt x="11618" y="11618"/>
-                  </a:lnTo>
-                  <a:lnTo>
-                    <a:pt x="11569" y="11521"/>
-                  </a:lnTo>
-                  <a:lnTo>
-                    <a:pt x="11447" y="11350"/>
-                  </a:lnTo>
-                  <a:lnTo>
-                    <a:pt x="11374" y="11277"/>
-                  </a:lnTo>
-                  <a:lnTo>
-                    <a:pt x="11301" y="11204"/>
-                  </a:lnTo>
-                  <a:lnTo>
-                    <a:pt x="11301" y="11204"/>
-                  </a:lnTo>
-                  <a:lnTo>
-                    <a:pt x="11423" y="11180"/>
-                  </a:lnTo>
-                  <a:lnTo>
-                    <a:pt x="11521" y="11131"/>
-                  </a:lnTo>
-                  <a:lnTo>
-                    <a:pt x="11618" y="11058"/>
-                  </a:lnTo>
-                  <a:lnTo>
-                    <a:pt x="11715" y="10960"/>
-                  </a:lnTo>
-                  <a:lnTo>
-                    <a:pt x="11788" y="10863"/>
-                  </a:lnTo>
-                  <a:lnTo>
-                    <a:pt x="11837" y="10766"/>
-                  </a:lnTo>
-                  <a:lnTo>
-                    <a:pt x="11886" y="10644"/>
-                  </a:lnTo>
-                  <a:lnTo>
-                    <a:pt x="11910" y="10498"/>
-                  </a:lnTo>
-                  <a:lnTo>
-                    <a:pt x="11983" y="9645"/>
-                  </a:lnTo>
-                  <a:lnTo>
-                    <a:pt x="11983" y="9645"/>
-                  </a:lnTo>
-                  <a:lnTo>
-                    <a:pt x="11983" y="9523"/>
-                  </a:lnTo>
-                  <a:lnTo>
-                    <a:pt x="11983" y="9402"/>
-                  </a:lnTo>
-                  <a:lnTo>
-                    <a:pt x="11959" y="9280"/>
-                  </a:lnTo>
-                  <a:lnTo>
-                    <a:pt x="11910" y="9182"/>
-                  </a:lnTo>
-                  <a:lnTo>
-                    <a:pt x="11861" y="9085"/>
-                  </a:lnTo>
-                  <a:lnTo>
-                    <a:pt x="11788" y="9012"/>
-                  </a:lnTo>
-                  <a:lnTo>
-                    <a:pt x="11715" y="8939"/>
-                  </a:lnTo>
-                  <a:lnTo>
-                    <a:pt x="11618" y="8866"/>
-                  </a:lnTo>
-                  <a:lnTo>
-                    <a:pt x="11618" y="8866"/>
-                  </a:lnTo>
-                  <a:lnTo>
-                    <a:pt x="11715" y="8841"/>
-                  </a:lnTo>
-                  <a:lnTo>
-                    <a:pt x="11813" y="8768"/>
-                  </a:lnTo>
-                  <a:lnTo>
-                    <a:pt x="11910" y="8695"/>
-                  </a:lnTo>
-                  <a:lnTo>
-                    <a:pt x="11983" y="8622"/>
-                  </a:lnTo>
-                  <a:lnTo>
-                    <a:pt x="12056" y="8525"/>
-                  </a:lnTo>
-                  <a:lnTo>
-                    <a:pt x="12105" y="8427"/>
-                  </a:lnTo>
-                  <a:lnTo>
-                    <a:pt x="12129" y="8306"/>
-                  </a:lnTo>
-                  <a:lnTo>
-                    <a:pt x="12154" y="8184"/>
-                  </a:lnTo>
-                  <a:lnTo>
-                    <a:pt x="12251" y="7307"/>
-                  </a:lnTo>
-                  <a:lnTo>
-                    <a:pt x="12251" y="7307"/>
-                  </a:lnTo>
-                  <a:lnTo>
-                    <a:pt x="12227" y="7185"/>
-                  </a:lnTo>
-                  <a:lnTo>
-                    <a:pt x="12202" y="7064"/>
-                  </a:lnTo>
-                  <a:lnTo>
-                    <a:pt x="12154" y="6966"/>
-                  </a:lnTo>
-                  <a:lnTo>
-                    <a:pt x="12105" y="6869"/>
-                  </a:lnTo>
-                  <a:lnTo>
-                    <a:pt x="12032" y="6771"/>
-                  </a:lnTo>
-                  <a:lnTo>
-                    <a:pt x="11935" y="6698"/>
-                  </a:lnTo>
-                  <a:lnTo>
-                    <a:pt x="11715" y="6552"/>
-                  </a:lnTo>
-                  <a:lnTo>
-                    <a:pt x="11472" y="6430"/>
-                  </a:lnTo>
-                  <a:lnTo>
-                    <a:pt x="11180" y="6333"/>
-                  </a:lnTo>
-                  <a:lnTo>
-                    <a:pt x="10863" y="6260"/>
-                  </a:lnTo>
-                  <a:lnTo>
-                    <a:pt x="10546" y="6211"/>
-                  </a:lnTo>
-                  <a:lnTo>
-                    <a:pt x="10546" y="6211"/>
-                  </a:lnTo>
-                  <a:lnTo>
-                    <a:pt x="9864" y="6114"/>
-                  </a:lnTo>
-                  <a:lnTo>
-                    <a:pt x="8817" y="6016"/>
-                  </a:lnTo>
-                  <a:lnTo>
-                    <a:pt x="7575" y="5943"/>
-                  </a:lnTo>
-                  <a:lnTo>
-                    <a:pt x="6309" y="5870"/>
-                  </a:lnTo>
-                  <a:lnTo>
-                    <a:pt x="6309" y="5870"/>
-                  </a:lnTo>
-                  <a:lnTo>
-                    <a:pt x="6479" y="5578"/>
-                  </a:lnTo>
-                  <a:lnTo>
-                    <a:pt x="6625" y="5237"/>
-                  </a:lnTo>
-                  <a:lnTo>
-                    <a:pt x="6771" y="4872"/>
-                  </a:lnTo>
-                  <a:lnTo>
-                    <a:pt x="6869" y="4482"/>
-                  </a:lnTo>
-                  <a:lnTo>
-                    <a:pt x="6966" y="4092"/>
-                  </a:lnTo>
-                  <a:lnTo>
-                    <a:pt x="7064" y="3678"/>
-                  </a:lnTo>
-                  <a:lnTo>
-                    <a:pt x="7161" y="2875"/>
-                  </a:lnTo>
-                  <a:lnTo>
-                    <a:pt x="7234" y="2144"/>
-                  </a:lnTo>
-                  <a:lnTo>
-                    <a:pt x="7283" y="1535"/>
-                  </a:lnTo>
-                  <a:lnTo>
-                    <a:pt x="7283" y="975"/>
-                  </a:lnTo>
-                  <a:lnTo>
-                    <a:pt x="7283" y="975"/>
-                  </a:lnTo>
-                  <a:lnTo>
-                    <a:pt x="7283" y="804"/>
-                  </a:lnTo>
-                  <a:lnTo>
-                    <a:pt x="7210" y="609"/>
-                  </a:lnTo>
-                  <a:lnTo>
-                    <a:pt x="7137" y="463"/>
-                  </a:lnTo>
-                  <a:lnTo>
-                    <a:pt x="7015" y="317"/>
-                  </a:lnTo>
-                  <a:lnTo>
-                    <a:pt x="6869" y="171"/>
-                  </a:lnTo>
-                  <a:lnTo>
-                    <a:pt x="6698" y="98"/>
-                  </a:lnTo>
-                  <a:lnTo>
-                    <a:pt x="6503" y="25"/>
-                  </a:lnTo>
-                  <a:lnTo>
-                    <a:pt x="6309" y="1"/>
-                  </a:lnTo>
-                  <a:lnTo>
-                    <a:pt x="6309" y="1"/>
-                  </a:lnTo>
-                  <a:lnTo>
-                    <a:pt x="5943" y="25"/>
-                  </a:lnTo>
-                  <a:lnTo>
-                    <a:pt x="5700" y="74"/>
-                  </a:lnTo>
-                  <a:lnTo>
-                    <a:pt x="5505" y="147"/>
-                  </a:lnTo>
-                  <a:lnTo>
-                    <a:pt x="5359" y="220"/>
-                  </a:lnTo>
-                  <a:lnTo>
-                    <a:pt x="5359" y="220"/>
-                  </a:lnTo>
-                  <a:lnTo>
-                    <a:pt x="4969" y="1462"/>
-                  </a:lnTo>
-                  <a:lnTo>
-                    <a:pt x="4774" y="2022"/>
-                  </a:lnTo>
-                  <a:lnTo>
-                    <a:pt x="4579" y="2534"/>
-                  </a:lnTo>
-                  <a:lnTo>
-                    <a:pt x="4385" y="2996"/>
-                  </a:lnTo>
-                  <a:lnTo>
-                    <a:pt x="4190" y="3386"/>
-                  </a:lnTo>
-                  <a:lnTo>
-                    <a:pt x="4019" y="3678"/>
-                  </a:lnTo>
-                  <a:lnTo>
-                    <a:pt x="3873" y="3922"/>
-                  </a:lnTo>
-                  <a:lnTo>
-                    <a:pt x="3873" y="3922"/>
-                  </a:lnTo>
-                  <a:lnTo>
-                    <a:pt x="3654" y="4141"/>
-                  </a:lnTo>
-                  <a:lnTo>
-                    <a:pt x="3313" y="4482"/>
-                  </a:lnTo>
-                  <a:lnTo>
-                    <a:pt x="2509" y="5237"/>
-                  </a:lnTo>
-                  <a:lnTo>
-                    <a:pt x="1438" y="6211"/>
-                  </a:lnTo>
-                  <a:lnTo>
-                    <a:pt x="1" y="6211"/>
-                  </a:lnTo>
-                </a:path>
-              </a:pathLst>
-            </a:custGeom>
-            <a:noFill/>
-            <a:ln w="9525" cap="rnd" cmpd="sng">
-              <a:solidFill>
-                <a:srgbClr val="000000"/>
-              </a:solidFill>
-              <a:prstDash val="solid"/>
-              <a:round/>
-              <a:headEnd type="none" w="sm" len="sm"/>
-              <a:tailEnd type="none" w="sm" len="sm"/>
-            </a:ln>
-          </p:spPr>
-          <p:txBody>
-            <a:bodyPr spcFirstLastPara="1" wrap="square" lIns="91425" tIns="91425" rIns="91425" bIns="91425" anchor="ctr" anchorCtr="0">
-              <a:noAutofit/>
-            </a:bodyPr>
-            <a:lstStyle/>
-            <a:p>
-              <a:pPr marL="0" lvl="0" indent="0" algn="l" rtl="0">
-                <a:spcBef>
-                  <a:spcPts val="0"/>
-                </a:spcBef>
-                <a:spcAft>
-                  <a:spcPts val="0"/>
-                </a:spcAft>
-                <a:buNone/>
-              </a:pPr>
-              <a:endParaRPr/>
-            </a:p>
-          </p:txBody>
-        </p:sp>
-      </p:grpSp>
-      <p:sp>
-        <p:nvSpPr>
-          <p:cNvPr id="330" name="Google Shape;330;p30"/>
-          <p:cNvSpPr txBox="1">
-            <a:spLocks noGrp="1"/>
-          </p:cNvSpPr>
-          <p:nvPr>
-            <p:ph type="sldNum" idx="12"/>
-          </p:nvPr>
-        </p:nvSpPr>
-        <p:spPr>
-          <a:xfrm>
-            <a:off x="8543227" y="4749851"/>
-            <a:ext cx="548700" cy="393600"/>
-          </a:xfrm>
-          <a:prstGeom prst="rect">
-            <a:avLst/>
-          </a:prstGeom>
-        </p:spPr>
-        <p:txBody>
-          <a:bodyPr spcFirstLastPara="1" wrap="square" lIns="91425" tIns="91425" rIns="91425" bIns="91425" anchor="t" anchorCtr="0">
-            <a:noAutofit/>
-          </a:bodyPr>
-          <a:lstStyle/>
-          <a:p>
-            <a:pPr marL="0" lvl="0" indent="0" algn="r" rtl="0">
-              <a:spcBef>
-                <a:spcPts val="0"/>
-              </a:spcBef>
-              <a:spcAft>
-                <a:spcPts val="0"/>
-              </a:spcAft>
-              <a:buNone/>
-            </a:pPr>
-            <a:fld id="{00000000-1234-1234-1234-123412341234}" type="slidenum">
-              <a:rPr lang="en"/>
-              <a:t>16</a:t>
-            </a:fld>
-            <a:endParaRPr/>
-          </a:p>
-        </p:txBody>
-      </p:sp>
-    </p:spTree>
-  </p:cSld>
-  <p:clrMapOvr>
-    <a:masterClrMapping/>
-  </p:clrMapOvr>
-</p:sld>
-</file>
-
 <file path=ppt/slides/slide2.xml><?xml version="1.0" encoding="utf-8"?>
 <p:sld xmlns:a="http://schemas.openxmlformats.org/drawingml/2006/main" xmlns:r="http://schemas.openxmlformats.org/officeDocument/2006/relationships" xmlns:p="http://schemas.openxmlformats.org/presentationml/2006/main">
   <p:cSld>
@@ -7138,40 +5109,10 @@
       </p:sp>
       <p:pic>
         <p:nvPicPr>
-          <p:cNvPr id="11" name="그림 10">
+          <p:cNvPr id="6" name="그림 5">
             <a:extLst>
               <a:ext uri="{FF2B5EF4-FFF2-40B4-BE49-F238E27FC236}">
-                <a16:creationId xmlns:a16="http://schemas.microsoft.com/office/drawing/2014/main" id="{30BD72DA-1CFF-4540-8561-E49D91EC20F3}"/>
-              </a:ext>
-            </a:extLst>
-          </p:cNvPr>
-          <p:cNvPicPr>
-            <a:picLocks noChangeAspect="1"/>
-          </p:cNvPicPr>
-          <p:nvPr/>
-        </p:nvPicPr>
-        <p:blipFill>
-          <a:blip r:embed="rId2"/>
-          <a:stretch>
-            <a:fillRect/>
-          </a:stretch>
-        </p:blipFill>
-        <p:spPr>
-          <a:xfrm>
-            <a:off x="4676746" y="442869"/>
-            <a:ext cx="4257762" cy="4257762"/>
-          </a:xfrm>
-          <a:prstGeom prst="rect">
-            <a:avLst/>
-          </a:prstGeom>
-        </p:spPr>
-      </p:pic>
-      <p:pic>
-        <p:nvPicPr>
-          <p:cNvPr id="13" name="그림 12">
-            <a:extLst>
-              <a:ext uri="{FF2B5EF4-FFF2-40B4-BE49-F238E27FC236}">
-                <a16:creationId xmlns:a16="http://schemas.microsoft.com/office/drawing/2014/main" id="{F02660CD-2A3D-4C02-BF0E-3351D96F8463}"/>
+                <a16:creationId xmlns:a16="http://schemas.microsoft.com/office/drawing/2014/main" id="{3CCBF372-72A9-4420-AE74-CABFB9277E5B}"/>
               </a:ext>
             </a:extLst>
           </p:cNvPr>
@@ -7188,14 +5129,148 @@
         </p:blipFill>
         <p:spPr>
           <a:xfrm>
-            <a:off x="209492" y="442869"/>
-            <a:ext cx="4257762" cy="4257762"/>
+            <a:off x="0" y="482099"/>
+            <a:ext cx="4660802" cy="4660802"/>
           </a:xfrm>
           <a:prstGeom prst="rect">
             <a:avLst/>
           </a:prstGeom>
         </p:spPr>
       </p:pic>
+      <p:pic>
+        <p:nvPicPr>
+          <p:cNvPr id="8" name="그림 7">
+            <a:extLst>
+              <a:ext uri="{FF2B5EF4-FFF2-40B4-BE49-F238E27FC236}">
+                <a16:creationId xmlns:a16="http://schemas.microsoft.com/office/drawing/2014/main" id="{C7293EF2-C220-4D45-8645-41C25A85ECF9}"/>
+              </a:ext>
+            </a:extLst>
+          </p:cNvPr>
+          <p:cNvPicPr>
+            <a:picLocks noChangeAspect="1"/>
+          </p:cNvPicPr>
+          <p:nvPr/>
+        </p:nvPicPr>
+        <p:blipFill>
+          <a:blip r:embed="rId4"/>
+          <a:stretch>
+            <a:fillRect/>
+          </a:stretch>
+        </p:blipFill>
+        <p:spPr>
+          <a:xfrm>
+            <a:off x="4482000" y="481500"/>
+            <a:ext cx="4662000" cy="4662000"/>
+          </a:xfrm>
+          <a:prstGeom prst="rect">
+            <a:avLst/>
+          </a:prstGeom>
+        </p:spPr>
+      </p:pic>
+      <p:sp>
+        <p:nvSpPr>
+          <p:cNvPr id="14" name="직사각형 13">
+            <a:extLst>
+              <a:ext uri="{FF2B5EF4-FFF2-40B4-BE49-F238E27FC236}">
+                <a16:creationId xmlns:a16="http://schemas.microsoft.com/office/drawing/2014/main" id="{04CA5A56-4CD5-4D03-A7D9-641C79B96407}"/>
+              </a:ext>
+            </a:extLst>
+          </p:cNvPr>
+          <p:cNvSpPr/>
+          <p:nvPr/>
+        </p:nvSpPr>
+        <p:spPr>
+          <a:xfrm>
+            <a:off x="2903780" y="4570488"/>
+            <a:ext cx="189914" cy="358726"/>
+          </a:xfrm>
+          <a:prstGeom prst="rect">
+            <a:avLst/>
+          </a:prstGeom>
+          <a:noFill/>
+          <a:ln>
+            <a:solidFill>
+              <a:srgbClr val="FF0000"/>
+            </a:solidFill>
+          </a:ln>
+        </p:spPr>
+        <p:style>
+          <a:lnRef idx="2">
+            <a:schemeClr val="accent1">
+              <a:shade val="50000"/>
+            </a:schemeClr>
+          </a:lnRef>
+          <a:fillRef idx="1">
+            <a:schemeClr val="accent1"/>
+          </a:fillRef>
+          <a:effectRef idx="0">
+            <a:schemeClr val="accent1"/>
+          </a:effectRef>
+          <a:fontRef idx="minor">
+            <a:schemeClr val="lt1"/>
+          </a:fontRef>
+        </p:style>
+        <p:txBody>
+          <a:bodyPr rtlCol="0" anchor="ctr"/>
+          <a:lstStyle/>
+          <a:p>
+            <a:pPr algn="ctr"/>
+            <a:endParaRPr lang="ko-KR" altLang="en-US"/>
+          </a:p>
+        </p:txBody>
+      </p:sp>
+      <p:sp>
+        <p:nvSpPr>
+          <p:cNvPr id="15" name="직사각형 14">
+            <a:extLst>
+              <a:ext uri="{FF2B5EF4-FFF2-40B4-BE49-F238E27FC236}">
+                <a16:creationId xmlns:a16="http://schemas.microsoft.com/office/drawing/2014/main" id="{DC9E763A-5003-423B-9CFF-827E690671B7}"/>
+              </a:ext>
+            </a:extLst>
+          </p:cNvPr>
+          <p:cNvSpPr/>
+          <p:nvPr/>
+        </p:nvSpPr>
+        <p:spPr>
+          <a:xfrm>
+            <a:off x="7375866" y="4570488"/>
+            <a:ext cx="189914" cy="358726"/>
+          </a:xfrm>
+          <a:prstGeom prst="rect">
+            <a:avLst/>
+          </a:prstGeom>
+          <a:noFill/>
+          <a:ln>
+            <a:solidFill>
+              <a:srgbClr val="FF0000"/>
+            </a:solidFill>
+          </a:ln>
+        </p:spPr>
+        <p:style>
+          <a:lnRef idx="2">
+            <a:schemeClr val="accent1">
+              <a:shade val="50000"/>
+            </a:schemeClr>
+          </a:lnRef>
+          <a:fillRef idx="1">
+            <a:schemeClr val="accent1"/>
+          </a:fillRef>
+          <a:effectRef idx="0">
+            <a:schemeClr val="accent1"/>
+          </a:effectRef>
+          <a:fontRef idx="minor">
+            <a:schemeClr val="lt1"/>
+          </a:fontRef>
+        </p:style>
+        <p:txBody>
+          <a:bodyPr rtlCol="0" anchor="ctr"/>
+          <a:lstStyle/>
+          <a:p>
+            <a:pPr algn="ctr"/>
+            <a:endParaRPr lang="ko-KR" altLang="en-US"/>
+          </a:p>
+        </p:txBody>
+      </p:sp>
     </p:spTree>
     <p:extLst>
       <p:ext uri="{BB962C8B-B14F-4D97-AF65-F5344CB8AC3E}">
@@ -7214,7 +5289,7 @@
   <p:cSld>
     <p:spTree>
       <p:nvGrpSpPr>
-        <p:cNvPr id="1" name=""/>
+        <p:cNvPr id="1" name="Shape 109"/>
         <p:cNvGrpSpPr/>
         <p:nvPr/>
       </p:nvGrpSpPr>
@@ -7228,14 +5303,8 @@
       </p:grpSpPr>
       <p:sp>
         <p:nvSpPr>
-          <p:cNvPr id="2" name="제목 1">
-            <a:extLst>
-              <a:ext uri="{FF2B5EF4-FFF2-40B4-BE49-F238E27FC236}">
-                <a16:creationId xmlns:a16="http://schemas.microsoft.com/office/drawing/2014/main" id="{FFE37475-474E-4567-AA31-BC1123CDDF76}"/>
-              </a:ext>
-            </a:extLst>
-          </p:cNvPr>
-          <p:cNvSpPr>
+          <p:cNvPr id="110" name="Google Shape;110;p15"/>
+          <p:cNvSpPr txBox="1">
             <a:spLocks noGrp="1"/>
           </p:cNvSpPr>
           <p:nvPr>
@@ -7244,97 +5313,52 @@
         </p:nvSpPr>
         <p:spPr>
           <a:xfrm>
-            <a:off x="2006928" y="115905"/>
-            <a:ext cx="5130143" cy="713936"/>
+            <a:off x="2015190" y="1991850"/>
+            <a:ext cx="5025689" cy="1159800"/>
           </a:xfrm>
+          <a:prstGeom prst="rect">
+            <a:avLst/>
+          </a:prstGeom>
         </p:spPr>
         <p:txBody>
-          <a:bodyPr/>
+          <a:bodyPr spcFirstLastPara="1" wrap="square" lIns="91425" tIns="91425" rIns="91425" bIns="91425" anchor="b" anchorCtr="0">
+            <a:noAutofit/>
+          </a:bodyPr>
           <a:lstStyle/>
           <a:p>
+            <a:pPr marL="0" lvl="0" indent="0" algn="ctr" rtl="0">
+              <a:spcBef>
+                <a:spcPts val="0"/>
+              </a:spcBef>
+              <a:spcAft>
+                <a:spcPts val="0"/>
+              </a:spcAft>
+              <a:buNone/>
+            </a:pPr>
             <a:r>
               <a:rPr lang="ko-KR" altLang="en-US" dirty="0"/>
-              <a:t>연도별 </a:t>
+              <a:t>충청남도 </a:t>
             </a:r>
             <a:br>
               <a:rPr lang="en-US" altLang="ko-KR" dirty="0"/>
             </a:br>
             <a:r>
               <a:rPr lang="ko-KR" altLang="en-US" dirty="0"/>
-              <a:t>전체 및 </a:t>
+              <a:t>온실가스 배출량 추이</a:t>
             </a:r>
-            <a:r>
-              <a:rPr lang="en-US" altLang="ko-KR" dirty="0"/>
-              <a:t>1</a:t>
-            </a:r>
-            <a:r>
-              <a:rPr lang="ko-KR" altLang="en-US" dirty="0"/>
-              <a:t>인당 인구</a:t>
-            </a:r>
-            <a:r>
-              <a:rPr lang="en-US" altLang="ko-KR" dirty="0"/>
-              <a:t> </a:t>
-            </a:r>
-            <a:r>
-              <a:rPr lang="ko-KR" altLang="en-US" dirty="0"/>
-              <a:t>온실가스배출량 </a:t>
-            </a:r>
+            <a:endParaRPr dirty="0"/>
           </a:p>
         </p:txBody>
       </p:sp>
       <p:sp>
         <p:nvSpPr>
-          <p:cNvPr id="3" name="슬라이드 번호 개체 틀 2">
-            <a:extLst>
-              <a:ext uri="{FF2B5EF4-FFF2-40B4-BE49-F238E27FC236}">
-                <a16:creationId xmlns:a16="http://schemas.microsoft.com/office/drawing/2014/main" id="{F94CF99C-66BF-4252-B3F1-2ABD20CF70B7}"/>
-              </a:ext>
-            </a:extLst>
-          </p:cNvPr>
-          <p:cNvSpPr>
-            <a:spLocks noGrp="1"/>
-          </p:cNvSpPr>
-          <p:nvPr>
-            <p:ph type="sldNum" idx="12"/>
-          </p:nvPr>
-        </p:nvSpPr>
-        <p:spPr/>
-        <p:txBody>
-          <a:bodyPr/>
-          <a:lstStyle/>
-          <a:p>
-            <a:pPr marL="0" lvl="0" indent="0" algn="r" rtl="0">
-              <a:spcBef>
-                <a:spcPts val="0"/>
-              </a:spcBef>
-              <a:spcAft>
-                <a:spcPts val="0"/>
-              </a:spcAft>
-              <a:buNone/>
-            </a:pPr>
-            <a:fld id="{00000000-1234-1234-1234-123412341234}" type="slidenum">
-              <a:rPr lang="en" smtClean="0"/>
-              <a:t>4</a:t>
-            </a:fld>
-            <a:endParaRPr lang="en"/>
-          </a:p>
-        </p:txBody>
-      </p:sp>
-      <p:sp>
-        <p:nvSpPr>
-          <p:cNvPr id="4" name="Google Shape;112;p15">
-            <a:extLst>
-              <a:ext uri="{FF2B5EF4-FFF2-40B4-BE49-F238E27FC236}">
-                <a16:creationId xmlns:a16="http://schemas.microsoft.com/office/drawing/2014/main" id="{7653567A-7DB0-477F-9BD1-277833A8CA6B}"/>
-              </a:ext>
-            </a:extLst>
-          </p:cNvPr>
+          <p:cNvPr id="112" name="Google Shape;112;p15"/>
           <p:cNvSpPr txBox="1"/>
           <p:nvPr/>
         </p:nvSpPr>
         <p:spPr>
           <a:xfrm>
-            <a:off x="1111115" y="165142"/>
+            <a:off x="1133975" y="2291150"/>
             <a:ext cx="543900" cy="562200"/>
           </a:xfrm>
           <a:prstGeom prst="rect">
@@ -7370,7 +5394,7 @@
                 <a:cs typeface="Lora"/>
                 <a:sym typeface="Lora"/>
               </a:rPr>
-              <a:t>1</a:t>
+              <a:t>2</a:t>
             </a:r>
             <a:endParaRPr sz="2400" dirty="0">
               <a:latin typeface="Lora"/>
@@ -7381,70 +5405,52 @@
           </a:p>
         </p:txBody>
       </p:sp>
-      <p:pic>
-        <p:nvPicPr>
-          <p:cNvPr id="10" name="그림 9">
-            <a:extLst>
-              <a:ext uri="{FF2B5EF4-FFF2-40B4-BE49-F238E27FC236}">
-                <a16:creationId xmlns:a16="http://schemas.microsoft.com/office/drawing/2014/main" id="{4F247C75-9C9F-446C-9DE4-2E21C6AD28C7}"/>
-              </a:ext>
-            </a:extLst>
-          </p:cNvPr>
-          <p:cNvPicPr>
-            <a:picLocks noChangeAspect="1"/>
-          </p:cNvPicPr>
-          <p:nvPr/>
-        </p:nvPicPr>
-        <p:blipFill>
-          <a:blip r:embed="rId2"/>
-          <a:stretch>
-            <a:fillRect/>
-          </a:stretch>
-        </p:blipFill>
+      <p:sp>
+        <p:nvSpPr>
+          <p:cNvPr id="113" name="Google Shape;113;p15"/>
+          <p:cNvSpPr txBox="1">
+            <a:spLocks noGrp="1"/>
+          </p:cNvSpPr>
+          <p:nvPr>
+            <p:ph type="sldNum" idx="12"/>
+          </p:nvPr>
+        </p:nvSpPr>
         <p:spPr>
           <a:xfrm>
-            <a:off x="4676400" y="442350"/>
-            <a:ext cx="4258800" cy="4258800"/>
+            <a:off x="8543227" y="4749851"/>
+            <a:ext cx="548700" cy="393600"/>
           </a:xfrm>
           <a:prstGeom prst="rect">
             <a:avLst/>
           </a:prstGeom>
         </p:spPr>
-      </p:pic>
-      <p:pic>
-        <p:nvPicPr>
-          <p:cNvPr id="14" name="그림 13">
-            <a:extLst>
-              <a:ext uri="{FF2B5EF4-FFF2-40B4-BE49-F238E27FC236}">
-                <a16:creationId xmlns:a16="http://schemas.microsoft.com/office/drawing/2014/main" id="{C96D1DDE-2447-425B-A912-C7E69BD0BA5C}"/>
-              </a:ext>
-            </a:extLst>
-          </p:cNvPr>
-          <p:cNvPicPr>
-            <a:picLocks noChangeAspect="1"/>
-          </p:cNvPicPr>
-          <p:nvPr/>
-        </p:nvPicPr>
-        <p:blipFill>
-          <a:blip r:embed="rId3"/>
-          <a:stretch>
-            <a:fillRect/>
-          </a:stretch>
-        </p:blipFill>
-        <p:spPr>
-          <a:xfrm>
-            <a:off x="208800" y="442350"/>
-            <a:ext cx="4258800" cy="4258800"/>
-          </a:xfrm>
-          <a:prstGeom prst="rect">
-            <a:avLst/>
-          </a:prstGeom>
-        </p:spPr>
-      </p:pic>
+        <p:txBody>
+          <a:bodyPr spcFirstLastPara="1" wrap="square" lIns="91425" tIns="91425" rIns="91425" bIns="91425" anchor="t" anchorCtr="0">
+            <a:noAutofit/>
+          </a:bodyPr>
+          <a:lstStyle/>
+          <a:p>
+            <a:pPr marL="0" lvl="0" indent="0" algn="r" rtl="0">
+              <a:spcBef>
+                <a:spcPts val="0"/>
+              </a:spcBef>
+              <a:spcAft>
+                <a:spcPts val="0"/>
+              </a:spcAft>
+              <a:buNone/>
+            </a:pPr>
+            <a:fld id="{00000000-1234-1234-1234-123412341234}" type="slidenum">
+              <a:rPr lang="en"/>
+              <a:t>4</a:t>
+            </a:fld>
+            <a:endParaRPr/>
+          </a:p>
+        </p:txBody>
+      </p:sp>
     </p:spTree>
     <p:extLst>
       <p:ext uri="{BB962C8B-B14F-4D97-AF65-F5344CB8AC3E}">
-        <p14:creationId xmlns:p14="http://schemas.microsoft.com/office/powerpoint/2010/main" val="1612946101"/>
+        <p14:creationId xmlns:p14="http://schemas.microsoft.com/office/powerpoint/2010/main" val="4163462909"/>
       </p:ext>
     </p:extLst>
   </p:cSld>
@@ -7489,40 +5495,18 @@
         </p:nvSpPr>
         <p:spPr>
           <a:xfrm>
-            <a:off x="2006928" y="115905"/>
-            <a:ext cx="5130143" cy="713936"/>
+            <a:off x="2002177" y="228599"/>
+            <a:ext cx="5200481" cy="498743"/>
           </a:xfrm>
         </p:spPr>
         <p:txBody>
           <a:bodyPr/>
           <a:lstStyle/>
           <a:p>
+            <a:pPr algn="ctr"/>
             <a:r>
               <a:rPr lang="ko-KR" altLang="en-US" dirty="0"/>
-              <a:t>연도별 </a:t>
-            </a:r>
-            <a:br>
-              <a:rPr lang="en-US" altLang="ko-KR" dirty="0"/>
-            </a:br>
-            <a:r>
-              <a:rPr lang="ko-KR" altLang="en-US" dirty="0"/>
-              <a:t>전체 및 </a:t>
-            </a:r>
-            <a:r>
-              <a:rPr lang="en-US" altLang="ko-KR" dirty="0"/>
-              <a:t>1</a:t>
-            </a:r>
-            <a:r>
-              <a:rPr lang="ko-KR" altLang="en-US" dirty="0"/>
-              <a:t>인당 인구</a:t>
-            </a:r>
-            <a:r>
-              <a:rPr lang="en-US" altLang="ko-KR" dirty="0"/>
-              <a:t> </a:t>
-            </a:r>
-            <a:r>
-              <a:rPr lang="ko-KR" altLang="en-US" dirty="0"/>
-              <a:t>온실가스배출량 </a:t>
+              <a:t>충청남도 온실가스 배출량 추이</a:t>
             </a:r>
           </a:p>
         </p:txBody>
@@ -7615,7 +5599,7 @@
                 <a:cs typeface="Lora"/>
                 <a:sym typeface="Lora"/>
               </a:rPr>
-              <a:t>1</a:t>
+              <a:t>2</a:t>
             </a:r>
             <a:endParaRPr sz="2400" dirty="0">
               <a:latin typeface="Lora"/>
@@ -7631,7 +5615,7 @@
           <p:cNvPr id="6" name="그림 5">
             <a:extLst>
               <a:ext uri="{FF2B5EF4-FFF2-40B4-BE49-F238E27FC236}">
-                <a16:creationId xmlns:a16="http://schemas.microsoft.com/office/drawing/2014/main" id="{9436F59D-0B27-48FC-9F66-09122EC644AF}"/>
+                <a16:creationId xmlns:a16="http://schemas.microsoft.com/office/drawing/2014/main" id="{A68A75D6-4CA0-427B-AE2E-2C83CF114721}"/>
               </a:ext>
             </a:extLst>
           </p:cNvPr>
@@ -7648,38 +5632,8 @@
         </p:blipFill>
         <p:spPr>
           <a:xfrm>
-            <a:off x="4676400" y="442350"/>
-            <a:ext cx="4258800" cy="4258800"/>
-          </a:xfrm>
-          <a:prstGeom prst="rect">
-            <a:avLst/>
-          </a:prstGeom>
-        </p:spPr>
-      </p:pic>
-      <p:pic>
-        <p:nvPicPr>
-          <p:cNvPr id="8" name="그림 7">
-            <a:extLst>
-              <a:ext uri="{FF2B5EF4-FFF2-40B4-BE49-F238E27FC236}">
-                <a16:creationId xmlns:a16="http://schemas.microsoft.com/office/drawing/2014/main" id="{392673F5-9FC2-4080-B3F8-A3B07F2A9471}"/>
-              </a:ext>
-            </a:extLst>
-          </p:cNvPr>
-          <p:cNvPicPr>
-            <a:picLocks noChangeAspect="1"/>
-          </p:cNvPicPr>
-          <p:nvPr/>
-        </p:nvPicPr>
-        <p:blipFill>
-          <a:blip r:embed="rId3"/>
-          <a:stretch>
-            <a:fillRect/>
-          </a:stretch>
-        </p:blipFill>
-        <p:spPr>
-          <a:xfrm>
-            <a:off x="208800" y="442350"/>
-            <a:ext cx="4258800" cy="4258800"/>
+            <a:off x="759655" y="848400"/>
+            <a:ext cx="7624689" cy="4066501"/>
           </a:xfrm>
           <a:prstGeom prst="rect">
             <a:avLst/>
@@ -7689,7 +5643,7 @@
     </p:spTree>
     <p:extLst>
       <p:ext uri="{BB962C8B-B14F-4D97-AF65-F5344CB8AC3E}">
-        <p14:creationId xmlns:p14="http://schemas.microsoft.com/office/powerpoint/2010/main" val="4226692287"/>
+        <p14:creationId xmlns:p14="http://schemas.microsoft.com/office/powerpoint/2010/main" val="2412055557"/>
       </p:ext>
     </p:extLst>
   </p:cSld>
@@ -7704,7 +5658,7 @@
   <p:cSld>
     <p:spTree>
       <p:nvGrpSpPr>
-        <p:cNvPr id="1" name=""/>
+        <p:cNvPr id="1" name="Shape 109"/>
         <p:cNvGrpSpPr/>
         <p:nvPr/>
       </p:nvGrpSpPr>
@@ -7718,14 +5672,8 @@
       </p:grpSpPr>
       <p:sp>
         <p:nvSpPr>
-          <p:cNvPr id="2" name="제목 1">
-            <a:extLst>
-              <a:ext uri="{FF2B5EF4-FFF2-40B4-BE49-F238E27FC236}">
-                <a16:creationId xmlns:a16="http://schemas.microsoft.com/office/drawing/2014/main" id="{FFE37475-474E-4567-AA31-BC1123CDDF76}"/>
-              </a:ext>
-            </a:extLst>
-          </p:cNvPr>
-          <p:cNvSpPr>
+          <p:cNvPr id="110" name="Google Shape;110;p15"/>
+          <p:cNvSpPr txBox="1">
             <a:spLocks noGrp="1"/>
           </p:cNvSpPr>
           <p:nvPr>
@@ -7734,97 +5682,52 @@
         </p:nvSpPr>
         <p:spPr>
           <a:xfrm>
-            <a:off x="2006928" y="115905"/>
-            <a:ext cx="5130143" cy="713936"/>
+            <a:off x="2015190" y="1991850"/>
+            <a:ext cx="5025689" cy="1159800"/>
           </a:xfrm>
+          <a:prstGeom prst="rect">
+            <a:avLst/>
+          </a:prstGeom>
         </p:spPr>
         <p:txBody>
-          <a:bodyPr/>
+          <a:bodyPr spcFirstLastPara="1" wrap="square" lIns="91425" tIns="91425" rIns="91425" bIns="91425" anchor="b" anchorCtr="0">
+            <a:noAutofit/>
+          </a:bodyPr>
           <a:lstStyle/>
           <a:p>
+            <a:pPr marL="0" lvl="0" indent="0" algn="ctr" rtl="0">
+              <a:spcBef>
+                <a:spcPts val="0"/>
+              </a:spcBef>
+              <a:spcAft>
+                <a:spcPts val="0"/>
+              </a:spcAft>
+              <a:buNone/>
+            </a:pPr>
             <a:r>
               <a:rPr lang="ko-KR" altLang="en-US" dirty="0"/>
-              <a:t>연도별 </a:t>
+              <a:t>충청남도 관리업체 및 사업장 </a:t>
             </a:r>
             <a:br>
               <a:rPr lang="en-US" altLang="ko-KR" dirty="0"/>
             </a:br>
             <a:r>
               <a:rPr lang="ko-KR" altLang="en-US" dirty="0"/>
-              <a:t>전체 및 </a:t>
+              <a:t>온실가스 배출량 </a:t>
             </a:r>
-            <a:r>
-              <a:rPr lang="en-US" altLang="ko-KR" dirty="0"/>
-              <a:t>1</a:t>
-            </a:r>
-            <a:r>
-              <a:rPr lang="ko-KR" altLang="en-US" dirty="0"/>
-              <a:t>인당 인구</a:t>
-            </a:r>
-            <a:r>
-              <a:rPr lang="en-US" altLang="ko-KR" dirty="0"/>
-              <a:t> </a:t>
-            </a:r>
-            <a:r>
-              <a:rPr lang="ko-KR" altLang="en-US" dirty="0"/>
-              <a:t>온실가스배출량 </a:t>
-            </a:r>
+            <a:endParaRPr dirty="0"/>
           </a:p>
         </p:txBody>
       </p:sp>
       <p:sp>
         <p:nvSpPr>
-          <p:cNvPr id="3" name="슬라이드 번호 개체 틀 2">
-            <a:extLst>
-              <a:ext uri="{FF2B5EF4-FFF2-40B4-BE49-F238E27FC236}">
-                <a16:creationId xmlns:a16="http://schemas.microsoft.com/office/drawing/2014/main" id="{F94CF99C-66BF-4252-B3F1-2ABD20CF70B7}"/>
-              </a:ext>
-            </a:extLst>
-          </p:cNvPr>
-          <p:cNvSpPr>
-            <a:spLocks noGrp="1"/>
-          </p:cNvSpPr>
-          <p:nvPr>
-            <p:ph type="sldNum" idx="12"/>
-          </p:nvPr>
-        </p:nvSpPr>
-        <p:spPr/>
-        <p:txBody>
-          <a:bodyPr/>
-          <a:lstStyle/>
-          <a:p>
-            <a:pPr marL="0" lvl="0" indent="0" algn="r" rtl="0">
-              <a:spcBef>
-                <a:spcPts val="0"/>
-              </a:spcBef>
-              <a:spcAft>
-                <a:spcPts val="0"/>
-              </a:spcAft>
-              <a:buNone/>
-            </a:pPr>
-            <a:fld id="{00000000-1234-1234-1234-123412341234}" type="slidenum">
-              <a:rPr lang="en" smtClean="0"/>
-              <a:t>6</a:t>
-            </a:fld>
-            <a:endParaRPr lang="en"/>
-          </a:p>
-        </p:txBody>
-      </p:sp>
-      <p:sp>
-        <p:nvSpPr>
-          <p:cNvPr id="4" name="Google Shape;112;p15">
-            <a:extLst>
-              <a:ext uri="{FF2B5EF4-FFF2-40B4-BE49-F238E27FC236}">
-                <a16:creationId xmlns:a16="http://schemas.microsoft.com/office/drawing/2014/main" id="{7653567A-7DB0-477F-9BD1-277833A8CA6B}"/>
-              </a:ext>
-            </a:extLst>
-          </p:cNvPr>
+          <p:cNvPr id="112" name="Google Shape;112;p15"/>
           <p:cNvSpPr txBox="1"/>
           <p:nvPr/>
         </p:nvSpPr>
         <p:spPr>
           <a:xfrm>
-            <a:off x="1111115" y="165142"/>
+            <a:off x="1133975" y="2291150"/>
             <a:ext cx="543900" cy="562200"/>
           </a:xfrm>
           <a:prstGeom prst="rect">
@@ -7860,7 +5763,7 @@
                 <a:cs typeface="Lora"/>
                 <a:sym typeface="Lora"/>
               </a:rPr>
-              <a:t>1</a:t>
+              <a:t>3</a:t>
             </a:r>
             <a:endParaRPr sz="2400" dirty="0">
               <a:latin typeface="Lora"/>
@@ -7871,70 +5774,52 @@
           </a:p>
         </p:txBody>
       </p:sp>
-      <p:pic>
-        <p:nvPicPr>
-          <p:cNvPr id="6" name="그림 5">
-            <a:extLst>
-              <a:ext uri="{FF2B5EF4-FFF2-40B4-BE49-F238E27FC236}">
-                <a16:creationId xmlns:a16="http://schemas.microsoft.com/office/drawing/2014/main" id="{4A845A10-A1A2-4BD6-A949-D03A99AB1B26}"/>
-              </a:ext>
-            </a:extLst>
-          </p:cNvPr>
-          <p:cNvPicPr>
-            <a:picLocks noChangeAspect="1"/>
-          </p:cNvPicPr>
-          <p:nvPr/>
-        </p:nvPicPr>
-        <p:blipFill>
-          <a:blip r:embed="rId2"/>
-          <a:stretch>
-            <a:fillRect/>
-          </a:stretch>
-        </p:blipFill>
+      <p:sp>
+        <p:nvSpPr>
+          <p:cNvPr id="113" name="Google Shape;113;p15"/>
+          <p:cNvSpPr txBox="1">
+            <a:spLocks noGrp="1"/>
+          </p:cNvSpPr>
+          <p:nvPr>
+            <p:ph type="sldNum" idx="12"/>
+          </p:nvPr>
+        </p:nvSpPr>
         <p:spPr>
           <a:xfrm>
-            <a:off x="4676400" y="442350"/>
-            <a:ext cx="4258800" cy="4258800"/>
+            <a:off x="8543227" y="4749851"/>
+            <a:ext cx="548700" cy="393600"/>
           </a:xfrm>
           <a:prstGeom prst="rect">
             <a:avLst/>
           </a:prstGeom>
         </p:spPr>
-      </p:pic>
-      <p:pic>
-        <p:nvPicPr>
-          <p:cNvPr id="8" name="그림 7">
-            <a:extLst>
-              <a:ext uri="{FF2B5EF4-FFF2-40B4-BE49-F238E27FC236}">
-                <a16:creationId xmlns:a16="http://schemas.microsoft.com/office/drawing/2014/main" id="{31F51651-19AA-4520-8B35-1DB54B7A23ED}"/>
-              </a:ext>
-            </a:extLst>
-          </p:cNvPr>
-          <p:cNvPicPr>
-            <a:picLocks noChangeAspect="1"/>
-          </p:cNvPicPr>
-          <p:nvPr/>
-        </p:nvPicPr>
-        <p:blipFill>
-          <a:blip r:embed="rId3"/>
-          <a:stretch>
-            <a:fillRect/>
-          </a:stretch>
-        </p:blipFill>
-        <p:spPr>
-          <a:xfrm>
-            <a:off x="208800" y="442350"/>
-            <a:ext cx="4258800" cy="4258800"/>
-          </a:xfrm>
-          <a:prstGeom prst="rect">
-            <a:avLst/>
-          </a:prstGeom>
-        </p:spPr>
-      </p:pic>
+        <p:txBody>
+          <a:bodyPr spcFirstLastPara="1" wrap="square" lIns="91425" tIns="91425" rIns="91425" bIns="91425" anchor="t" anchorCtr="0">
+            <a:noAutofit/>
+          </a:bodyPr>
+          <a:lstStyle/>
+          <a:p>
+            <a:pPr marL="0" lvl="0" indent="0" algn="r" rtl="0">
+              <a:spcBef>
+                <a:spcPts val="0"/>
+              </a:spcBef>
+              <a:spcAft>
+                <a:spcPts val="0"/>
+              </a:spcAft>
+              <a:buNone/>
+            </a:pPr>
+            <a:fld id="{00000000-1234-1234-1234-123412341234}" type="slidenum">
+              <a:rPr lang="en"/>
+              <a:t>6</a:t>
+            </a:fld>
+            <a:endParaRPr/>
+          </a:p>
+        </p:txBody>
+      </p:sp>
     </p:spTree>
     <p:extLst>
       <p:ext uri="{BB962C8B-B14F-4D97-AF65-F5344CB8AC3E}">
-        <p14:creationId xmlns:p14="http://schemas.microsoft.com/office/powerpoint/2010/main" val="2829913654"/>
+        <p14:creationId xmlns:p14="http://schemas.microsoft.com/office/powerpoint/2010/main" val="4208856384"/>
       </p:ext>
     </p:extLst>
   </p:cSld>
@@ -7979,40 +5864,18 @@
         </p:nvSpPr>
         <p:spPr>
           <a:xfrm>
-            <a:off x="2006928" y="115905"/>
-            <a:ext cx="5130143" cy="713936"/>
+            <a:off x="2002177" y="228599"/>
+            <a:ext cx="5200481" cy="498743"/>
           </a:xfrm>
         </p:spPr>
         <p:txBody>
           <a:bodyPr/>
           <a:lstStyle/>
           <a:p>
+            <a:pPr algn="ctr"/>
             <a:r>
               <a:rPr lang="ko-KR" altLang="en-US" dirty="0"/>
-              <a:t>연도별 </a:t>
-            </a:r>
-            <a:br>
-              <a:rPr lang="en-US" altLang="ko-KR" dirty="0"/>
-            </a:br>
-            <a:r>
-              <a:rPr lang="ko-KR" altLang="en-US" dirty="0"/>
-              <a:t>전체 및 </a:t>
-            </a:r>
-            <a:r>
-              <a:rPr lang="en-US" altLang="ko-KR" dirty="0"/>
-              <a:t>1</a:t>
-            </a:r>
-            <a:r>
-              <a:rPr lang="ko-KR" altLang="en-US" dirty="0"/>
-              <a:t>인당 인구</a:t>
-            </a:r>
-            <a:r>
-              <a:rPr lang="en-US" altLang="ko-KR" dirty="0"/>
-              <a:t> </a:t>
-            </a:r>
-            <a:r>
-              <a:rPr lang="ko-KR" altLang="en-US" dirty="0"/>
-              <a:t>온실가스배출량 </a:t>
+              <a:t>충청남도 관리업체 및 사업장 온실가스 배출량 </a:t>
             </a:r>
           </a:p>
         </p:txBody>
@@ -8096,16 +5959,13 @@
               <a:buNone/>
             </a:pPr>
             <a:r>
-              <a:rPr lang="en" sz="2400" dirty="0">
-                <a:solidFill>
-                  <a:schemeClr val="dk1"/>
-                </a:solidFill>
+              <a:rPr lang="en-US" sz="2400" dirty="0">
                 <a:latin typeface="Lora"/>
                 <a:ea typeface="Lora"/>
                 <a:cs typeface="Lora"/>
                 <a:sym typeface="Lora"/>
               </a:rPr>
-              <a:t>1</a:t>
+              <a:t>3</a:t>
             </a:r>
             <a:endParaRPr sz="2400" dirty="0">
               <a:latin typeface="Lora"/>
@@ -8118,10 +5978,10 @@
       </p:sp>
       <p:pic>
         <p:nvPicPr>
-          <p:cNvPr id="6" name="그림 5">
+          <p:cNvPr id="11" name="그림 10">
             <a:extLst>
               <a:ext uri="{FF2B5EF4-FFF2-40B4-BE49-F238E27FC236}">
-                <a16:creationId xmlns:a16="http://schemas.microsoft.com/office/drawing/2014/main" id="{1919E70C-D4CB-4593-B51E-0127274E7D7D}"/>
+                <a16:creationId xmlns:a16="http://schemas.microsoft.com/office/drawing/2014/main" id="{3DEFA3D7-0106-4DB2-ACD2-849012FF76A6}"/>
               </a:ext>
             </a:extLst>
           </p:cNvPr>
@@ -8138,38 +5998,8 @@
         </p:blipFill>
         <p:spPr>
           <a:xfrm>
-            <a:off x="4676400" y="442350"/>
-            <a:ext cx="4258800" cy="4258800"/>
-          </a:xfrm>
-          <a:prstGeom prst="rect">
-            <a:avLst/>
-          </a:prstGeom>
-        </p:spPr>
-      </p:pic>
-      <p:pic>
-        <p:nvPicPr>
-          <p:cNvPr id="8" name="그림 7">
-            <a:extLst>
-              <a:ext uri="{FF2B5EF4-FFF2-40B4-BE49-F238E27FC236}">
-                <a16:creationId xmlns:a16="http://schemas.microsoft.com/office/drawing/2014/main" id="{1049D342-D01F-48F5-BAB9-CB71128A54BC}"/>
-              </a:ext>
-            </a:extLst>
-          </p:cNvPr>
-          <p:cNvPicPr>
-            <a:picLocks noChangeAspect="1"/>
-          </p:cNvPicPr>
-          <p:nvPr/>
-        </p:nvPicPr>
-        <p:blipFill>
-          <a:blip r:embed="rId3"/>
-          <a:stretch>
-            <a:fillRect/>
-          </a:stretch>
-        </p:blipFill>
-        <p:spPr>
-          <a:xfrm>
-            <a:off x="208800" y="442350"/>
-            <a:ext cx="4258800" cy="4258800"/>
+            <a:off x="763172" y="852152"/>
+            <a:ext cx="7617655" cy="4062749"/>
           </a:xfrm>
           <a:prstGeom prst="rect">
             <a:avLst/>
@@ -8179,7 +6009,7 @@
     </p:spTree>
     <p:extLst>
       <p:ext uri="{BB962C8B-B14F-4D97-AF65-F5344CB8AC3E}">
-        <p14:creationId xmlns:p14="http://schemas.microsoft.com/office/powerpoint/2010/main" val="3690103606"/>
+        <p14:creationId xmlns:p14="http://schemas.microsoft.com/office/powerpoint/2010/main" val="666160557"/>
       </p:ext>
     </p:extLst>
   </p:cSld>
@@ -8194,7 +6024,7 @@
   <p:cSld>
     <p:spTree>
       <p:nvGrpSpPr>
-        <p:cNvPr id="1" name=""/>
+        <p:cNvPr id="1" name="Shape 321"/>
         <p:cNvGrpSpPr/>
         <p:nvPr/>
       </p:nvGrpSpPr>
@@ -8206,121 +6036,121 @@
           <a:chExt cx="0" cy="0"/>
         </a:xfrm>
       </p:grpSpPr>
+      <p:cxnSp>
+        <p:nvCxnSpPr>
+          <p:cNvPr id="323" name="Google Shape;323;p30"/>
+          <p:cNvCxnSpPr>
+            <a:cxnSpLocks/>
+          </p:cNvCxnSpPr>
+          <p:nvPr/>
+        </p:nvCxnSpPr>
+        <p:spPr>
+          <a:xfrm>
+            <a:off x="-1170" y="2571750"/>
+            <a:ext cx="2397300" cy="0"/>
+          </a:xfrm>
+          <a:prstGeom prst="straightConnector1">
+            <a:avLst/>
+          </a:prstGeom>
+          <a:noFill/>
+          <a:ln w="9525" cap="flat" cmpd="sng">
+            <a:solidFill>
+              <a:srgbClr val="CCCCCC"/>
+            </a:solidFill>
+            <a:prstDash val="solid"/>
+            <a:round/>
+            <a:headEnd type="none" w="med" len="med"/>
+            <a:tailEnd type="none" w="med" len="med"/>
+          </a:ln>
+        </p:spPr>
+      </p:cxnSp>
       <p:sp>
         <p:nvSpPr>
-          <p:cNvPr id="2" name="제목 1">
-            <a:extLst>
-              <a:ext uri="{FF2B5EF4-FFF2-40B4-BE49-F238E27FC236}">
-                <a16:creationId xmlns:a16="http://schemas.microsoft.com/office/drawing/2014/main" id="{FFE37475-474E-4567-AA31-BC1123CDDF76}"/>
-              </a:ext>
-            </a:extLst>
-          </p:cNvPr>
-          <p:cNvSpPr>
+          <p:cNvPr id="324" name="Google Shape;324;p30"/>
+          <p:cNvSpPr txBox="1">
             <a:spLocks noGrp="1"/>
           </p:cNvSpPr>
           <p:nvPr>
-            <p:ph type="ctrTitle"/>
+            <p:ph type="ctrTitle" idx="4294967295"/>
           </p:nvPr>
         </p:nvSpPr>
         <p:spPr>
           <a:xfrm>
-            <a:off x="2006928" y="115905"/>
-            <a:ext cx="5130143" cy="713936"/>
+            <a:off x="2364005" y="1991850"/>
+            <a:ext cx="4908000" cy="1159800"/>
           </a:xfrm>
+          <a:prstGeom prst="rect">
+            <a:avLst/>
+          </a:prstGeom>
         </p:spPr>
         <p:txBody>
-          <a:bodyPr/>
+          <a:bodyPr spcFirstLastPara="1" wrap="square" lIns="91425" tIns="91425" rIns="91425" bIns="91425" anchor="ctr" anchorCtr="0">
+            <a:noAutofit/>
+          </a:bodyPr>
           <a:lstStyle/>
           <a:p>
+            <a:pPr marL="0" lvl="0" indent="0" algn="l" rtl="0">
+              <a:spcBef>
+                <a:spcPts val="0"/>
+              </a:spcBef>
+              <a:spcAft>
+                <a:spcPts val="0"/>
+              </a:spcAft>
+              <a:buNone/>
+            </a:pPr>
             <a:r>
-              <a:rPr lang="ko-KR" altLang="en-US" dirty="0"/>
-              <a:t>연도별 </a:t>
+              <a:rPr lang="en" sz="6000" dirty="0"/>
+              <a:t>Thanks!</a:t>
             </a:r>
-            <a:br>
-              <a:rPr lang="en-US" altLang="ko-KR" dirty="0"/>
-            </a:br>
-            <a:r>
-              <a:rPr lang="ko-KR" altLang="en-US" dirty="0"/>
-              <a:t>전체 및 </a:t>
-            </a:r>
-            <a:r>
-              <a:rPr lang="en-US" altLang="ko-KR" dirty="0"/>
-              <a:t>1</a:t>
-            </a:r>
-            <a:r>
-              <a:rPr lang="ko-KR" altLang="en-US" dirty="0"/>
-              <a:t>인당 인구</a:t>
-            </a:r>
-            <a:r>
-              <a:rPr lang="en-US" altLang="ko-KR" dirty="0"/>
-              <a:t> </a:t>
-            </a:r>
-            <a:r>
-              <a:rPr lang="ko-KR" altLang="en-US" dirty="0"/>
-              <a:t>온실가스배출량 </a:t>
-            </a:r>
+            <a:endParaRPr sz="6000" dirty="0"/>
           </a:p>
         </p:txBody>
       </p:sp>
+      <p:cxnSp>
+        <p:nvCxnSpPr>
+          <p:cNvPr id="325" name="Google Shape;325;p30"/>
+          <p:cNvCxnSpPr>
+            <a:cxnSpLocks/>
+          </p:cNvCxnSpPr>
+          <p:nvPr/>
+        </p:nvCxnSpPr>
+        <p:spPr>
+          <a:xfrm>
+            <a:off x="5582180" y="2571750"/>
+            <a:ext cx="3554100" cy="0"/>
+          </a:xfrm>
+          <a:prstGeom prst="straightConnector1">
+            <a:avLst/>
+          </a:prstGeom>
+          <a:noFill/>
+          <a:ln w="9525" cap="flat" cmpd="sng">
+            <a:solidFill>
+              <a:srgbClr val="CCCCCC"/>
+            </a:solidFill>
+            <a:prstDash val="solid"/>
+            <a:round/>
+            <a:headEnd type="none" w="med" len="med"/>
+            <a:tailEnd type="none" w="med" len="med"/>
+          </a:ln>
+        </p:spPr>
+      </p:cxnSp>
       <p:sp>
         <p:nvSpPr>
-          <p:cNvPr id="3" name="슬라이드 번호 개체 틀 2">
-            <a:extLst>
-              <a:ext uri="{FF2B5EF4-FFF2-40B4-BE49-F238E27FC236}">
-                <a16:creationId xmlns:a16="http://schemas.microsoft.com/office/drawing/2014/main" id="{F94CF99C-66BF-4252-B3F1-2ABD20CF70B7}"/>
-              </a:ext>
-            </a:extLst>
-          </p:cNvPr>
-          <p:cNvSpPr>
-            <a:spLocks noGrp="1"/>
-          </p:cNvSpPr>
-          <p:nvPr>
-            <p:ph type="sldNum" idx="12"/>
-          </p:nvPr>
-        </p:nvSpPr>
-        <p:spPr/>
-        <p:txBody>
-          <a:bodyPr/>
-          <a:lstStyle/>
-          <a:p>
-            <a:pPr marL="0" lvl="0" indent="0" algn="r" rtl="0">
-              <a:spcBef>
-                <a:spcPts val="0"/>
-              </a:spcBef>
-              <a:spcAft>
-                <a:spcPts val="0"/>
-              </a:spcAft>
-              <a:buNone/>
-            </a:pPr>
-            <a:fld id="{00000000-1234-1234-1234-123412341234}" type="slidenum">
-              <a:rPr lang="en" smtClean="0"/>
-              <a:t>8</a:t>
-            </a:fld>
-            <a:endParaRPr lang="en"/>
-          </a:p>
-        </p:txBody>
-      </p:sp>
-      <p:sp>
-        <p:nvSpPr>
-          <p:cNvPr id="4" name="Google Shape;112;p15">
-            <a:extLst>
-              <a:ext uri="{FF2B5EF4-FFF2-40B4-BE49-F238E27FC236}">
-                <a16:creationId xmlns:a16="http://schemas.microsoft.com/office/drawing/2014/main" id="{7653567A-7DB0-477F-9BD1-277833A8CA6B}"/>
-              </a:ext>
-            </a:extLst>
-          </p:cNvPr>
-          <p:cNvSpPr txBox="1"/>
+          <p:cNvPr id="326" name="Google Shape;326;p30"/>
+          <p:cNvSpPr/>
           <p:nvPr/>
         </p:nvSpPr>
         <p:spPr>
           <a:xfrm>
-            <a:off x="1111115" y="165142"/>
-            <a:ext cx="543900" cy="562200"/>
+            <a:off x="824305" y="2002200"/>
+            <a:ext cx="1139100" cy="1139100"/>
           </a:xfrm>
-          <a:prstGeom prst="rect">
+          <a:prstGeom prst="ellipse">
             <a:avLst/>
           </a:prstGeom>
-          <a:noFill/>
+          <a:solidFill>
+            <a:srgbClr val="FFCD00"/>
+          </a:solidFill>
           <a:ln>
             <a:noFill/>
           </a:ln>
@@ -8331,7 +6161,7 @@
           </a:bodyPr>
           <a:lstStyle/>
           <a:p>
-            <a:pPr marL="0" lvl="0" indent="0" algn="ctr" rtl="0">
+            <a:pPr marL="0" lvl="0" indent="0" algn="l" rtl="0">
               <a:spcBef>
                 <a:spcPts val="0"/>
               </a:spcBef>
@@ -8340,338 +6170,705 @@
               </a:spcAft>
               <a:buNone/>
             </a:pPr>
-            <a:r>
-              <a:rPr lang="en" sz="2400" dirty="0">
-                <a:solidFill>
-                  <a:schemeClr val="dk1"/>
-                </a:solidFill>
-                <a:latin typeface="Lora"/>
-                <a:ea typeface="Lora"/>
-                <a:cs typeface="Lora"/>
-                <a:sym typeface="Lora"/>
-              </a:rPr>
-              <a:t>1</a:t>
-            </a:r>
-            <a:endParaRPr sz="2400" dirty="0">
-              <a:latin typeface="Lora"/>
-              <a:ea typeface="Lora"/>
-              <a:cs typeface="Lora"/>
-              <a:sym typeface="Lora"/>
-            </a:endParaRPr>
+            <a:endParaRPr/>
           </a:p>
         </p:txBody>
       </p:sp>
-      <p:pic>
-        <p:nvPicPr>
-          <p:cNvPr id="10" name="그림 9">
-            <a:extLst>
-              <a:ext uri="{FF2B5EF4-FFF2-40B4-BE49-F238E27FC236}">
-                <a16:creationId xmlns:a16="http://schemas.microsoft.com/office/drawing/2014/main" id="{5D000B8E-F30E-4BDF-B601-410FA773F3B8}"/>
-              </a:ext>
-            </a:extLst>
-          </p:cNvPr>
-          <p:cNvPicPr>
-            <a:picLocks noChangeAspect="1"/>
-          </p:cNvPicPr>
+      <p:grpSp>
+        <p:nvGrpSpPr>
+          <p:cNvPr id="327" name="Google Shape;327;p30"/>
+          <p:cNvGrpSpPr/>
           <p:nvPr/>
-        </p:nvPicPr>
-        <p:blipFill>
-          <a:blip r:embed="rId2"/>
-          <a:stretch>
-            <a:fillRect/>
-          </a:stretch>
-        </p:blipFill>
-        <p:spPr>
+        </p:nvGrpSpPr>
+        <p:grpSpPr>
           <a:xfrm>
-            <a:off x="4676400" y="442350"/>
-            <a:ext cx="4258800" cy="4258800"/>
+            <a:off x="1141268" y="2333867"/>
+            <a:ext cx="505722" cy="475767"/>
+            <a:chOff x="5972700" y="2330200"/>
+            <a:chExt cx="411625" cy="387275"/>
           </a:xfrm>
-          <a:prstGeom prst="rect">
-            <a:avLst/>
-          </a:prstGeom>
-        </p:spPr>
-      </p:pic>
-      <p:pic>
-        <p:nvPicPr>
-          <p:cNvPr id="14" name="그림 13">
-            <a:extLst>
-              <a:ext uri="{FF2B5EF4-FFF2-40B4-BE49-F238E27FC236}">
-                <a16:creationId xmlns:a16="http://schemas.microsoft.com/office/drawing/2014/main" id="{9C2BF579-08FC-405B-AEED-12F222F8831E}"/>
-              </a:ext>
-            </a:extLst>
-          </p:cNvPr>
-          <p:cNvPicPr>
-            <a:picLocks noChangeAspect="1"/>
-          </p:cNvPicPr>
-          <p:nvPr/>
-        </p:nvPicPr>
-        <p:blipFill>
-          <a:blip r:embed="rId3"/>
-          <a:stretch>
-            <a:fillRect/>
-          </a:stretch>
-        </p:blipFill>
-        <p:spPr>
-          <a:xfrm>
-            <a:off x="208800" y="442350"/>
-            <a:ext cx="4258800" cy="4258800"/>
-          </a:xfrm>
-          <a:prstGeom prst="rect">
-            <a:avLst/>
-          </a:prstGeom>
-        </p:spPr>
-      </p:pic>
-    </p:spTree>
-    <p:extLst>
-      <p:ext uri="{BB962C8B-B14F-4D97-AF65-F5344CB8AC3E}">
-        <p14:creationId xmlns:p14="http://schemas.microsoft.com/office/powerpoint/2010/main" val="122598598"/>
-      </p:ext>
-    </p:extLst>
-  </p:cSld>
-  <p:clrMapOvr>
-    <a:masterClrMapping/>
-  </p:clrMapOvr>
-</p:sld>
-</file>
-
-<file path=ppt/slides/slide9.xml><?xml version="1.0" encoding="utf-8"?>
-<p:sld xmlns:a="http://schemas.openxmlformats.org/drawingml/2006/main" xmlns:r="http://schemas.openxmlformats.org/officeDocument/2006/relationships" xmlns:p="http://schemas.openxmlformats.org/presentationml/2006/main">
-  <p:cSld>
-    <p:spTree>
-      <p:nvGrpSpPr>
-        <p:cNvPr id="1" name=""/>
-        <p:cNvGrpSpPr/>
-        <p:nvPr/>
-      </p:nvGrpSpPr>
-      <p:grpSpPr>
-        <a:xfrm>
-          <a:off x="0" y="0"/>
-          <a:ext cx="0" cy="0"/>
-          <a:chOff x="0" y="0"/>
-          <a:chExt cx="0" cy="0"/>
-        </a:xfrm>
-      </p:grpSpPr>
+        </p:grpSpPr>
+        <p:sp>
+          <p:nvSpPr>
+            <p:cNvPr id="328" name="Google Shape;328;p30"/>
+            <p:cNvSpPr/>
+            <p:nvPr/>
+          </p:nvSpPr>
+          <p:spPr>
+            <a:xfrm>
+              <a:off x="5972700" y="2476950"/>
+              <a:ext cx="98050" cy="219825"/>
+            </a:xfrm>
+            <a:custGeom>
+              <a:avLst/>
+              <a:gdLst/>
+              <a:ahLst/>
+              <a:cxnLst/>
+              <a:rect l="l" t="t" r="r" b="b"/>
+              <a:pathLst>
+                <a:path w="3922" h="8793" fill="none" extrusionOk="0">
+                  <a:moveTo>
+                    <a:pt x="0" y="0"/>
+                  </a:moveTo>
+                  <a:lnTo>
+                    <a:pt x="0" y="8792"/>
+                  </a:lnTo>
+                  <a:lnTo>
+                    <a:pt x="3921" y="8792"/>
+                  </a:lnTo>
+                  <a:lnTo>
+                    <a:pt x="3921" y="0"/>
+                  </a:lnTo>
+                  <a:lnTo>
+                    <a:pt x="0" y="0"/>
+                  </a:lnTo>
+                  <a:close/>
+                  <a:moveTo>
+                    <a:pt x="2411" y="2411"/>
+                  </a:moveTo>
+                  <a:lnTo>
+                    <a:pt x="2411" y="2411"/>
+                  </a:lnTo>
+                  <a:lnTo>
+                    <a:pt x="2265" y="2387"/>
+                  </a:lnTo>
+                  <a:lnTo>
+                    <a:pt x="2143" y="2363"/>
+                  </a:lnTo>
+                  <a:lnTo>
+                    <a:pt x="2022" y="2290"/>
+                  </a:lnTo>
+                  <a:lnTo>
+                    <a:pt x="1924" y="2216"/>
+                  </a:lnTo>
+                  <a:lnTo>
+                    <a:pt x="1827" y="2095"/>
+                  </a:lnTo>
+                  <a:lnTo>
+                    <a:pt x="1754" y="1973"/>
+                  </a:lnTo>
+                  <a:lnTo>
+                    <a:pt x="1729" y="1851"/>
+                  </a:lnTo>
+                  <a:lnTo>
+                    <a:pt x="1705" y="1705"/>
+                  </a:lnTo>
+                  <a:lnTo>
+                    <a:pt x="1705" y="1705"/>
+                  </a:lnTo>
+                  <a:lnTo>
+                    <a:pt x="1729" y="1559"/>
+                  </a:lnTo>
+                  <a:lnTo>
+                    <a:pt x="1754" y="1437"/>
+                  </a:lnTo>
+                  <a:lnTo>
+                    <a:pt x="1827" y="1315"/>
+                  </a:lnTo>
+                  <a:lnTo>
+                    <a:pt x="1924" y="1218"/>
+                  </a:lnTo>
+                  <a:lnTo>
+                    <a:pt x="2022" y="1120"/>
+                  </a:lnTo>
+                  <a:lnTo>
+                    <a:pt x="2143" y="1072"/>
+                  </a:lnTo>
+                  <a:lnTo>
+                    <a:pt x="2265" y="1023"/>
+                  </a:lnTo>
+                  <a:lnTo>
+                    <a:pt x="2411" y="999"/>
+                  </a:lnTo>
+                  <a:lnTo>
+                    <a:pt x="2411" y="999"/>
+                  </a:lnTo>
+                  <a:lnTo>
+                    <a:pt x="2557" y="1023"/>
+                  </a:lnTo>
+                  <a:lnTo>
+                    <a:pt x="2679" y="1072"/>
+                  </a:lnTo>
+                  <a:lnTo>
+                    <a:pt x="2801" y="1120"/>
+                  </a:lnTo>
+                  <a:lnTo>
+                    <a:pt x="2898" y="1218"/>
+                  </a:lnTo>
+                  <a:lnTo>
+                    <a:pt x="2996" y="1315"/>
+                  </a:lnTo>
+                  <a:lnTo>
+                    <a:pt x="3069" y="1437"/>
+                  </a:lnTo>
+                  <a:lnTo>
+                    <a:pt x="3093" y="1559"/>
+                  </a:lnTo>
+                  <a:lnTo>
+                    <a:pt x="3118" y="1705"/>
+                  </a:lnTo>
+                  <a:lnTo>
+                    <a:pt x="3118" y="1705"/>
+                  </a:lnTo>
+                  <a:lnTo>
+                    <a:pt x="3093" y="1851"/>
+                  </a:lnTo>
+                  <a:lnTo>
+                    <a:pt x="3069" y="1973"/>
+                  </a:lnTo>
+                  <a:lnTo>
+                    <a:pt x="2996" y="2095"/>
+                  </a:lnTo>
+                  <a:lnTo>
+                    <a:pt x="2898" y="2216"/>
+                  </a:lnTo>
+                  <a:lnTo>
+                    <a:pt x="2801" y="2290"/>
+                  </a:lnTo>
+                  <a:lnTo>
+                    <a:pt x="2679" y="2363"/>
+                  </a:lnTo>
+                  <a:lnTo>
+                    <a:pt x="2557" y="2387"/>
+                  </a:lnTo>
+                  <a:lnTo>
+                    <a:pt x="2411" y="2411"/>
+                  </a:lnTo>
+                  <a:lnTo>
+                    <a:pt x="2411" y="2411"/>
+                  </a:lnTo>
+                  <a:close/>
+                </a:path>
+              </a:pathLst>
+            </a:custGeom>
+            <a:noFill/>
+            <a:ln w="9525" cap="rnd" cmpd="sng">
+              <a:solidFill>
+                <a:srgbClr val="000000"/>
+              </a:solidFill>
+              <a:prstDash val="solid"/>
+              <a:round/>
+              <a:headEnd type="none" w="sm" len="sm"/>
+              <a:tailEnd type="none" w="sm" len="sm"/>
+            </a:ln>
+          </p:spPr>
+          <p:txBody>
+            <a:bodyPr spcFirstLastPara="1" wrap="square" lIns="91425" tIns="91425" rIns="91425" bIns="91425" anchor="ctr" anchorCtr="0">
+              <a:noAutofit/>
+            </a:bodyPr>
+            <a:lstStyle/>
+            <a:p>
+              <a:pPr marL="0" lvl="0" indent="0" algn="l" rtl="0">
+                <a:spcBef>
+                  <a:spcPts val="0"/>
+                </a:spcBef>
+                <a:spcAft>
+                  <a:spcPts val="0"/>
+                </a:spcAft>
+                <a:buNone/>
+              </a:pPr>
+              <a:endParaRPr/>
+            </a:p>
+          </p:txBody>
+        </p:sp>
+        <p:sp>
+          <p:nvSpPr>
+            <p:cNvPr id="329" name="Google Shape;329;p30"/>
+            <p:cNvSpPr/>
+            <p:nvPr/>
+          </p:nvSpPr>
+          <p:spPr>
+            <a:xfrm>
+              <a:off x="6078025" y="2330200"/>
+              <a:ext cx="306300" cy="387275"/>
+            </a:xfrm>
+            <a:custGeom>
+              <a:avLst/>
+              <a:gdLst/>
+              <a:ahLst/>
+              <a:cxnLst/>
+              <a:rect l="l" t="t" r="r" b="b"/>
+              <a:pathLst>
+                <a:path w="12252" h="15491" fill="none" extrusionOk="0">
+                  <a:moveTo>
+                    <a:pt x="1" y="13396"/>
+                  </a:moveTo>
+                  <a:lnTo>
+                    <a:pt x="1511" y="13396"/>
+                  </a:lnTo>
+                  <a:lnTo>
+                    <a:pt x="1511" y="13396"/>
+                  </a:lnTo>
+                  <a:lnTo>
+                    <a:pt x="1998" y="13639"/>
+                  </a:lnTo>
+                  <a:lnTo>
+                    <a:pt x="2680" y="13932"/>
+                  </a:lnTo>
+                  <a:lnTo>
+                    <a:pt x="3556" y="14273"/>
+                  </a:lnTo>
+                  <a:lnTo>
+                    <a:pt x="4531" y="14638"/>
+                  </a:lnTo>
+                  <a:lnTo>
+                    <a:pt x="5578" y="14955"/>
+                  </a:lnTo>
+                  <a:lnTo>
+                    <a:pt x="6114" y="15101"/>
+                  </a:lnTo>
+                  <a:lnTo>
+                    <a:pt x="6650" y="15222"/>
+                  </a:lnTo>
+                  <a:lnTo>
+                    <a:pt x="7161" y="15344"/>
+                  </a:lnTo>
+                  <a:lnTo>
+                    <a:pt x="7672" y="15417"/>
+                  </a:lnTo>
+                  <a:lnTo>
+                    <a:pt x="8135" y="15466"/>
+                  </a:lnTo>
+                  <a:lnTo>
+                    <a:pt x="8598" y="15490"/>
+                  </a:lnTo>
+                  <a:lnTo>
+                    <a:pt x="8598" y="15490"/>
+                  </a:lnTo>
+                  <a:lnTo>
+                    <a:pt x="9377" y="15490"/>
+                  </a:lnTo>
+                  <a:lnTo>
+                    <a:pt x="9791" y="15466"/>
+                  </a:lnTo>
+                  <a:lnTo>
+                    <a:pt x="10181" y="15417"/>
+                  </a:lnTo>
+                  <a:lnTo>
+                    <a:pt x="10522" y="15320"/>
+                  </a:lnTo>
+                  <a:lnTo>
+                    <a:pt x="10692" y="15271"/>
+                  </a:lnTo>
+                  <a:lnTo>
+                    <a:pt x="10814" y="15222"/>
+                  </a:lnTo>
+                  <a:lnTo>
+                    <a:pt x="10936" y="15149"/>
+                  </a:lnTo>
+                  <a:lnTo>
+                    <a:pt x="11033" y="15052"/>
+                  </a:lnTo>
+                  <a:lnTo>
+                    <a:pt x="11082" y="14955"/>
+                  </a:lnTo>
+                  <a:lnTo>
+                    <a:pt x="11131" y="14833"/>
+                  </a:lnTo>
+                  <a:lnTo>
+                    <a:pt x="11204" y="14126"/>
+                  </a:lnTo>
+                  <a:lnTo>
+                    <a:pt x="11204" y="14126"/>
+                  </a:lnTo>
+                  <a:lnTo>
+                    <a:pt x="11180" y="13956"/>
+                  </a:lnTo>
+                  <a:lnTo>
+                    <a:pt x="11131" y="13810"/>
+                  </a:lnTo>
+                  <a:lnTo>
+                    <a:pt x="11033" y="13664"/>
+                  </a:lnTo>
+                  <a:lnTo>
+                    <a:pt x="10887" y="13542"/>
+                  </a:lnTo>
+                  <a:lnTo>
+                    <a:pt x="10887" y="13542"/>
+                  </a:lnTo>
+                  <a:lnTo>
+                    <a:pt x="11009" y="13518"/>
+                  </a:lnTo>
+                  <a:lnTo>
+                    <a:pt x="11131" y="13469"/>
+                  </a:lnTo>
+                  <a:lnTo>
+                    <a:pt x="11253" y="13420"/>
+                  </a:lnTo>
+                  <a:lnTo>
+                    <a:pt x="11350" y="13323"/>
+                  </a:lnTo>
+                  <a:lnTo>
+                    <a:pt x="11423" y="13225"/>
+                  </a:lnTo>
+                  <a:lnTo>
+                    <a:pt x="11496" y="13104"/>
+                  </a:lnTo>
+                  <a:lnTo>
+                    <a:pt x="11545" y="12957"/>
+                  </a:lnTo>
+                  <a:lnTo>
+                    <a:pt x="11569" y="12836"/>
+                  </a:lnTo>
+                  <a:lnTo>
+                    <a:pt x="11642" y="11959"/>
+                  </a:lnTo>
+                  <a:lnTo>
+                    <a:pt x="11642" y="11959"/>
+                  </a:lnTo>
+                  <a:lnTo>
+                    <a:pt x="11642" y="11837"/>
+                  </a:lnTo>
+                  <a:lnTo>
+                    <a:pt x="11642" y="11740"/>
+                  </a:lnTo>
+                  <a:lnTo>
+                    <a:pt x="11618" y="11618"/>
+                  </a:lnTo>
+                  <a:lnTo>
+                    <a:pt x="11569" y="11521"/>
+                  </a:lnTo>
+                  <a:lnTo>
+                    <a:pt x="11447" y="11350"/>
+                  </a:lnTo>
+                  <a:lnTo>
+                    <a:pt x="11374" y="11277"/>
+                  </a:lnTo>
+                  <a:lnTo>
+                    <a:pt x="11301" y="11204"/>
+                  </a:lnTo>
+                  <a:lnTo>
+                    <a:pt x="11301" y="11204"/>
+                  </a:lnTo>
+                  <a:lnTo>
+                    <a:pt x="11423" y="11180"/>
+                  </a:lnTo>
+                  <a:lnTo>
+                    <a:pt x="11521" y="11131"/>
+                  </a:lnTo>
+                  <a:lnTo>
+                    <a:pt x="11618" y="11058"/>
+                  </a:lnTo>
+                  <a:lnTo>
+                    <a:pt x="11715" y="10960"/>
+                  </a:lnTo>
+                  <a:lnTo>
+                    <a:pt x="11788" y="10863"/>
+                  </a:lnTo>
+                  <a:lnTo>
+                    <a:pt x="11837" y="10766"/>
+                  </a:lnTo>
+                  <a:lnTo>
+                    <a:pt x="11886" y="10644"/>
+                  </a:lnTo>
+                  <a:lnTo>
+                    <a:pt x="11910" y="10498"/>
+                  </a:lnTo>
+                  <a:lnTo>
+                    <a:pt x="11983" y="9645"/>
+                  </a:lnTo>
+                  <a:lnTo>
+                    <a:pt x="11983" y="9645"/>
+                  </a:lnTo>
+                  <a:lnTo>
+                    <a:pt x="11983" y="9523"/>
+                  </a:lnTo>
+                  <a:lnTo>
+                    <a:pt x="11983" y="9402"/>
+                  </a:lnTo>
+                  <a:lnTo>
+                    <a:pt x="11959" y="9280"/>
+                  </a:lnTo>
+                  <a:lnTo>
+                    <a:pt x="11910" y="9182"/>
+                  </a:lnTo>
+                  <a:lnTo>
+                    <a:pt x="11861" y="9085"/>
+                  </a:lnTo>
+                  <a:lnTo>
+                    <a:pt x="11788" y="9012"/>
+                  </a:lnTo>
+                  <a:lnTo>
+                    <a:pt x="11715" y="8939"/>
+                  </a:lnTo>
+                  <a:lnTo>
+                    <a:pt x="11618" y="8866"/>
+                  </a:lnTo>
+                  <a:lnTo>
+                    <a:pt x="11618" y="8866"/>
+                  </a:lnTo>
+                  <a:lnTo>
+                    <a:pt x="11715" y="8841"/>
+                  </a:lnTo>
+                  <a:lnTo>
+                    <a:pt x="11813" y="8768"/>
+                  </a:lnTo>
+                  <a:lnTo>
+                    <a:pt x="11910" y="8695"/>
+                  </a:lnTo>
+                  <a:lnTo>
+                    <a:pt x="11983" y="8622"/>
+                  </a:lnTo>
+                  <a:lnTo>
+                    <a:pt x="12056" y="8525"/>
+                  </a:lnTo>
+                  <a:lnTo>
+                    <a:pt x="12105" y="8427"/>
+                  </a:lnTo>
+                  <a:lnTo>
+                    <a:pt x="12129" y="8306"/>
+                  </a:lnTo>
+                  <a:lnTo>
+                    <a:pt x="12154" y="8184"/>
+                  </a:lnTo>
+                  <a:lnTo>
+                    <a:pt x="12251" y="7307"/>
+                  </a:lnTo>
+                  <a:lnTo>
+                    <a:pt x="12251" y="7307"/>
+                  </a:lnTo>
+                  <a:lnTo>
+                    <a:pt x="12227" y="7185"/>
+                  </a:lnTo>
+                  <a:lnTo>
+                    <a:pt x="12202" y="7064"/>
+                  </a:lnTo>
+                  <a:lnTo>
+                    <a:pt x="12154" y="6966"/>
+                  </a:lnTo>
+                  <a:lnTo>
+                    <a:pt x="12105" y="6869"/>
+                  </a:lnTo>
+                  <a:lnTo>
+                    <a:pt x="12032" y="6771"/>
+                  </a:lnTo>
+                  <a:lnTo>
+                    <a:pt x="11935" y="6698"/>
+                  </a:lnTo>
+                  <a:lnTo>
+                    <a:pt x="11715" y="6552"/>
+                  </a:lnTo>
+                  <a:lnTo>
+                    <a:pt x="11472" y="6430"/>
+                  </a:lnTo>
+                  <a:lnTo>
+                    <a:pt x="11180" y="6333"/>
+                  </a:lnTo>
+                  <a:lnTo>
+                    <a:pt x="10863" y="6260"/>
+                  </a:lnTo>
+                  <a:lnTo>
+                    <a:pt x="10546" y="6211"/>
+                  </a:lnTo>
+                  <a:lnTo>
+                    <a:pt x="10546" y="6211"/>
+                  </a:lnTo>
+                  <a:lnTo>
+                    <a:pt x="9864" y="6114"/>
+                  </a:lnTo>
+                  <a:lnTo>
+                    <a:pt x="8817" y="6016"/>
+                  </a:lnTo>
+                  <a:lnTo>
+                    <a:pt x="7575" y="5943"/>
+                  </a:lnTo>
+                  <a:lnTo>
+                    <a:pt x="6309" y="5870"/>
+                  </a:lnTo>
+                  <a:lnTo>
+                    <a:pt x="6309" y="5870"/>
+                  </a:lnTo>
+                  <a:lnTo>
+                    <a:pt x="6479" y="5578"/>
+                  </a:lnTo>
+                  <a:lnTo>
+                    <a:pt x="6625" y="5237"/>
+                  </a:lnTo>
+                  <a:lnTo>
+                    <a:pt x="6771" y="4872"/>
+                  </a:lnTo>
+                  <a:lnTo>
+                    <a:pt x="6869" y="4482"/>
+                  </a:lnTo>
+                  <a:lnTo>
+                    <a:pt x="6966" y="4092"/>
+                  </a:lnTo>
+                  <a:lnTo>
+                    <a:pt x="7064" y="3678"/>
+                  </a:lnTo>
+                  <a:lnTo>
+                    <a:pt x="7161" y="2875"/>
+                  </a:lnTo>
+                  <a:lnTo>
+                    <a:pt x="7234" y="2144"/>
+                  </a:lnTo>
+                  <a:lnTo>
+                    <a:pt x="7283" y="1535"/>
+                  </a:lnTo>
+                  <a:lnTo>
+                    <a:pt x="7283" y="975"/>
+                  </a:lnTo>
+                  <a:lnTo>
+                    <a:pt x="7283" y="975"/>
+                  </a:lnTo>
+                  <a:lnTo>
+                    <a:pt x="7283" y="804"/>
+                  </a:lnTo>
+                  <a:lnTo>
+                    <a:pt x="7210" y="609"/>
+                  </a:lnTo>
+                  <a:lnTo>
+                    <a:pt x="7137" y="463"/>
+                  </a:lnTo>
+                  <a:lnTo>
+                    <a:pt x="7015" y="317"/>
+                  </a:lnTo>
+                  <a:lnTo>
+                    <a:pt x="6869" y="171"/>
+                  </a:lnTo>
+                  <a:lnTo>
+                    <a:pt x="6698" y="98"/>
+                  </a:lnTo>
+                  <a:lnTo>
+                    <a:pt x="6503" y="25"/>
+                  </a:lnTo>
+                  <a:lnTo>
+                    <a:pt x="6309" y="1"/>
+                  </a:lnTo>
+                  <a:lnTo>
+                    <a:pt x="6309" y="1"/>
+                  </a:lnTo>
+                  <a:lnTo>
+                    <a:pt x="5943" y="25"/>
+                  </a:lnTo>
+                  <a:lnTo>
+                    <a:pt x="5700" y="74"/>
+                  </a:lnTo>
+                  <a:lnTo>
+                    <a:pt x="5505" y="147"/>
+                  </a:lnTo>
+                  <a:lnTo>
+                    <a:pt x="5359" y="220"/>
+                  </a:lnTo>
+                  <a:lnTo>
+                    <a:pt x="5359" y="220"/>
+                  </a:lnTo>
+                  <a:lnTo>
+                    <a:pt x="4969" y="1462"/>
+                  </a:lnTo>
+                  <a:lnTo>
+                    <a:pt x="4774" y="2022"/>
+                  </a:lnTo>
+                  <a:lnTo>
+                    <a:pt x="4579" y="2534"/>
+                  </a:lnTo>
+                  <a:lnTo>
+                    <a:pt x="4385" y="2996"/>
+                  </a:lnTo>
+                  <a:lnTo>
+                    <a:pt x="4190" y="3386"/>
+                  </a:lnTo>
+                  <a:lnTo>
+                    <a:pt x="4019" y="3678"/>
+                  </a:lnTo>
+                  <a:lnTo>
+                    <a:pt x="3873" y="3922"/>
+                  </a:lnTo>
+                  <a:lnTo>
+                    <a:pt x="3873" y="3922"/>
+                  </a:lnTo>
+                  <a:lnTo>
+                    <a:pt x="3654" y="4141"/>
+                  </a:lnTo>
+                  <a:lnTo>
+                    <a:pt x="3313" y="4482"/>
+                  </a:lnTo>
+                  <a:lnTo>
+                    <a:pt x="2509" y="5237"/>
+                  </a:lnTo>
+                  <a:lnTo>
+                    <a:pt x="1438" y="6211"/>
+                  </a:lnTo>
+                  <a:lnTo>
+                    <a:pt x="1" y="6211"/>
+                  </a:lnTo>
+                </a:path>
+              </a:pathLst>
+            </a:custGeom>
+            <a:noFill/>
+            <a:ln w="9525" cap="rnd" cmpd="sng">
+              <a:solidFill>
+                <a:srgbClr val="000000"/>
+              </a:solidFill>
+              <a:prstDash val="solid"/>
+              <a:round/>
+              <a:headEnd type="none" w="sm" len="sm"/>
+              <a:tailEnd type="none" w="sm" len="sm"/>
+            </a:ln>
+          </p:spPr>
+          <p:txBody>
+            <a:bodyPr spcFirstLastPara="1" wrap="square" lIns="91425" tIns="91425" rIns="91425" bIns="91425" anchor="ctr" anchorCtr="0">
+              <a:noAutofit/>
+            </a:bodyPr>
+            <a:lstStyle/>
+            <a:p>
+              <a:pPr marL="0" lvl="0" indent="0" algn="l" rtl="0">
+                <a:spcBef>
+                  <a:spcPts val="0"/>
+                </a:spcBef>
+                <a:spcAft>
+                  <a:spcPts val="0"/>
+                </a:spcAft>
+                <a:buNone/>
+              </a:pPr>
+              <a:endParaRPr/>
+            </a:p>
+          </p:txBody>
+        </p:sp>
+      </p:grpSp>
       <p:sp>
         <p:nvSpPr>
-          <p:cNvPr id="2" name="제목 1">
-            <a:extLst>
-              <a:ext uri="{FF2B5EF4-FFF2-40B4-BE49-F238E27FC236}">
-                <a16:creationId xmlns:a16="http://schemas.microsoft.com/office/drawing/2014/main" id="{FFE37475-474E-4567-AA31-BC1123CDDF76}"/>
-              </a:ext>
-            </a:extLst>
-          </p:cNvPr>
-          <p:cNvSpPr>
-            <a:spLocks noGrp="1"/>
-          </p:cNvSpPr>
-          <p:nvPr>
-            <p:ph type="ctrTitle"/>
-          </p:nvPr>
-        </p:nvSpPr>
-        <p:spPr>
-          <a:xfrm>
-            <a:off x="2006928" y="115905"/>
-            <a:ext cx="5130143" cy="713936"/>
-          </a:xfrm>
-        </p:spPr>
-        <p:txBody>
-          <a:bodyPr/>
-          <a:lstStyle/>
-          <a:p>
-            <a:r>
-              <a:rPr lang="ko-KR" altLang="en-US" dirty="0"/>
-              <a:t>연도별 </a:t>
-            </a:r>
-            <a:br>
-              <a:rPr lang="en-US" altLang="ko-KR" dirty="0"/>
-            </a:br>
-            <a:r>
-              <a:rPr lang="ko-KR" altLang="en-US" dirty="0"/>
-              <a:t>전체 및 </a:t>
-            </a:r>
-            <a:r>
-              <a:rPr lang="en-US" altLang="ko-KR" dirty="0"/>
-              <a:t>1</a:t>
-            </a:r>
-            <a:r>
-              <a:rPr lang="ko-KR" altLang="en-US" dirty="0"/>
-              <a:t>인당 인구</a:t>
-            </a:r>
-            <a:r>
-              <a:rPr lang="en-US" altLang="ko-KR" dirty="0"/>
-              <a:t> </a:t>
-            </a:r>
-            <a:r>
-              <a:rPr lang="ko-KR" altLang="en-US" dirty="0"/>
-              <a:t>온실가스배출량 </a:t>
-            </a:r>
-          </a:p>
-        </p:txBody>
-      </p:sp>
-      <p:sp>
-        <p:nvSpPr>
-          <p:cNvPr id="3" name="슬라이드 번호 개체 틀 2">
-            <a:extLst>
-              <a:ext uri="{FF2B5EF4-FFF2-40B4-BE49-F238E27FC236}">
-                <a16:creationId xmlns:a16="http://schemas.microsoft.com/office/drawing/2014/main" id="{F94CF99C-66BF-4252-B3F1-2ABD20CF70B7}"/>
-              </a:ext>
-            </a:extLst>
-          </p:cNvPr>
-          <p:cNvSpPr>
+          <p:cNvPr id="330" name="Google Shape;330;p30"/>
+          <p:cNvSpPr txBox="1">
             <a:spLocks noGrp="1"/>
           </p:cNvSpPr>
           <p:nvPr>
             <p:ph type="sldNum" idx="12"/>
           </p:nvPr>
         </p:nvSpPr>
-        <p:spPr/>
-        <p:txBody>
-          <a:bodyPr/>
-          <a:lstStyle/>
-          <a:p>
-            <a:pPr marL="0" lvl="0" indent="0" algn="r" rtl="0">
-              <a:spcBef>
-                <a:spcPts val="0"/>
-              </a:spcBef>
-              <a:spcAft>
-                <a:spcPts val="0"/>
-              </a:spcAft>
-              <a:buNone/>
-            </a:pPr>
-            <a:fld id="{00000000-1234-1234-1234-123412341234}" type="slidenum">
-              <a:rPr lang="en" smtClean="0"/>
-              <a:t>9</a:t>
-            </a:fld>
-            <a:endParaRPr lang="en"/>
-          </a:p>
-        </p:txBody>
-      </p:sp>
-      <p:sp>
-        <p:nvSpPr>
-          <p:cNvPr id="4" name="Google Shape;112;p15">
-            <a:extLst>
-              <a:ext uri="{FF2B5EF4-FFF2-40B4-BE49-F238E27FC236}">
-                <a16:creationId xmlns:a16="http://schemas.microsoft.com/office/drawing/2014/main" id="{7653567A-7DB0-477F-9BD1-277833A8CA6B}"/>
-              </a:ext>
-            </a:extLst>
-          </p:cNvPr>
-          <p:cNvSpPr txBox="1"/>
-          <p:nvPr/>
-        </p:nvSpPr>
         <p:spPr>
           <a:xfrm>
-            <a:off x="1111115" y="165142"/>
-            <a:ext cx="543900" cy="562200"/>
-          </a:xfrm>
-          <a:prstGeom prst="rect">
-            <a:avLst/>
-          </a:prstGeom>
-          <a:noFill/>
-          <a:ln>
-            <a:noFill/>
-          </a:ln>
-        </p:spPr>
-        <p:txBody>
-          <a:bodyPr spcFirstLastPara="1" wrap="square" lIns="91425" tIns="91425" rIns="91425" bIns="91425" anchor="ctr" anchorCtr="0">
-            <a:noAutofit/>
-          </a:bodyPr>
-          <a:lstStyle/>
-          <a:p>
-            <a:pPr marL="0" lvl="0" indent="0" algn="ctr" rtl="0">
-              <a:spcBef>
-                <a:spcPts val="0"/>
-              </a:spcBef>
-              <a:spcAft>
-                <a:spcPts val="0"/>
-              </a:spcAft>
-              <a:buNone/>
-            </a:pPr>
-            <a:r>
-              <a:rPr lang="en" sz="2400" dirty="0">
-                <a:solidFill>
-                  <a:schemeClr val="dk1"/>
-                </a:solidFill>
-                <a:latin typeface="Lora"/>
-                <a:ea typeface="Lora"/>
-                <a:cs typeface="Lora"/>
-                <a:sym typeface="Lora"/>
-              </a:rPr>
-              <a:t>1</a:t>
-            </a:r>
-            <a:endParaRPr sz="2400" dirty="0">
-              <a:latin typeface="Lora"/>
-              <a:ea typeface="Lora"/>
-              <a:cs typeface="Lora"/>
-              <a:sym typeface="Lora"/>
-            </a:endParaRPr>
-          </a:p>
-        </p:txBody>
-      </p:sp>
-      <p:pic>
-        <p:nvPicPr>
-          <p:cNvPr id="6" name="그림 5">
-            <a:extLst>
-              <a:ext uri="{FF2B5EF4-FFF2-40B4-BE49-F238E27FC236}">
-                <a16:creationId xmlns:a16="http://schemas.microsoft.com/office/drawing/2014/main" id="{56BAB556-A908-4320-9B01-9F2E2A81BB15}"/>
-              </a:ext>
-            </a:extLst>
-          </p:cNvPr>
-          <p:cNvPicPr>
-            <a:picLocks noChangeAspect="1"/>
-          </p:cNvPicPr>
-          <p:nvPr/>
-        </p:nvPicPr>
-        <p:blipFill>
-          <a:blip r:embed="rId2"/>
-          <a:stretch>
-            <a:fillRect/>
-          </a:stretch>
-        </p:blipFill>
-        <p:spPr>
-          <a:xfrm>
-            <a:off x="4676400" y="442350"/>
-            <a:ext cx="4258800" cy="4258800"/>
+            <a:off x="8543227" y="4749851"/>
+            <a:ext cx="548700" cy="393600"/>
           </a:xfrm>
           <a:prstGeom prst="rect">
             <a:avLst/>
           </a:prstGeom>
         </p:spPr>
-      </p:pic>
-      <p:pic>
-        <p:nvPicPr>
-          <p:cNvPr id="8" name="그림 7">
-            <a:extLst>
-              <a:ext uri="{FF2B5EF4-FFF2-40B4-BE49-F238E27FC236}">
-                <a16:creationId xmlns:a16="http://schemas.microsoft.com/office/drawing/2014/main" id="{D4E45F45-9F51-44BE-9EFF-08A9D0E21B70}"/>
-              </a:ext>
-            </a:extLst>
-          </p:cNvPr>
-          <p:cNvPicPr>
-            <a:picLocks noChangeAspect="1"/>
-          </p:cNvPicPr>
-          <p:nvPr/>
-        </p:nvPicPr>
-        <p:blipFill>
-          <a:blip r:embed="rId3"/>
-          <a:stretch>
-            <a:fillRect/>
-          </a:stretch>
-        </p:blipFill>
-        <p:spPr>
-          <a:xfrm>
-            <a:off x="208800" y="442350"/>
-            <a:ext cx="4258800" cy="4258800"/>
-          </a:xfrm>
-          <a:prstGeom prst="rect">
-            <a:avLst/>
-          </a:prstGeom>
-        </p:spPr>
-      </p:pic>
+        <p:txBody>
+          <a:bodyPr spcFirstLastPara="1" wrap="square" lIns="91425" tIns="91425" rIns="91425" bIns="91425" anchor="t" anchorCtr="0">
+            <a:noAutofit/>
+          </a:bodyPr>
+          <a:lstStyle/>
+          <a:p>
+            <a:pPr marL="0" lvl="0" indent="0" algn="r" rtl="0">
+              <a:spcBef>
+                <a:spcPts val="0"/>
+              </a:spcBef>
+              <a:spcAft>
+                <a:spcPts val="0"/>
+              </a:spcAft>
+              <a:buNone/>
+            </a:pPr>
+            <a:fld id="{00000000-1234-1234-1234-123412341234}" type="slidenum">
+              <a:rPr lang="en"/>
+              <a:t>8</a:t>
+            </a:fld>
+            <a:endParaRPr/>
+          </a:p>
+        </p:txBody>
+      </p:sp>
     </p:spTree>
-    <p:extLst>
-      <p:ext uri="{BB962C8B-B14F-4D97-AF65-F5344CB8AC3E}">
-        <p14:creationId xmlns:p14="http://schemas.microsoft.com/office/powerpoint/2010/main" val="1542794217"/>
-      </p:ext>
-    </p:extLst>
   </p:cSld>
   <p:clrMapOvr>
     <a:masterClrMapping/>
